--- a/FOOD ORDERING SYSTEM.pptx
+++ b/FOOD ORDERING SYSTEM.pptx
@@ -7197,6 +7197,14 @@
 <file path=ppt/slides/slide1.xml><?xml version="1.0" encoding="utf-8"?>
 <p:sld xmlns:a="http://schemas.openxmlformats.org/drawingml/2006/main" xmlns:r="http://schemas.openxmlformats.org/officeDocument/2006/relationships" xmlns:p="http://schemas.openxmlformats.org/presentationml/2006/main">
   <p:cSld>
+    <p:bg>
+      <p:bgPr>
+        <a:solidFill>
+          <a:srgbClr val="FFFFFF"/>
+        </a:solidFill>
+        <a:effectLst/>
+      </p:bgPr>
+    </p:bg>
     <p:spTree>
       <p:nvGrpSpPr>
         <p:cNvPr id="1" name=""/>
@@ -7219,7 +7227,7 @@
         </p:nvSpPr>
         <p:spPr>
           <a:xfrm>
-            <a:off x="838080" y="2061000"/>
+            <a:off x="838380" y="1970640"/>
             <a:ext cx="10515240" cy="2387160"/>
           </a:xfrm>
           <a:prstGeom prst="rect">
@@ -7240,14 +7248,14 @@
               </a:lnSpc>
             </a:pPr>
             <a:r>
-              <a:rPr lang="en-US" sz="5400" dirty="0">
+              <a:rPr lang="en-US" sz="5400">
                 <a:solidFill>
                   <a:schemeClr val="bg1"/>
                 </a:solidFill>
               </a:rPr>
               <a:t>FOOD ORDERING SYSTEM</a:t>
             </a:r>
-            <a:endParaRPr lang="en-US" sz="5400" b="0" strike="noStrike" spc="-1" dirty="0">
+            <a:endParaRPr lang="en-US" sz="5400" b="0" strike="noStrike" spc="-1">
               <a:solidFill>
                 <a:schemeClr val="bg1"/>
               </a:solidFill>
@@ -7290,42 +7298,15 @@
               </a:spcBef>
             </a:pPr>
             <a:r>
-              <a:rPr lang="en-US" sz="2800" b="0" strike="noStrike" spc="-1" dirty="0">
+              <a:rPr lang="en-US" sz="2800" b="0" strike="noStrike" spc="-1">
                 <a:solidFill>
                   <a:srgbClr val="D24726"/>
                 </a:solidFill>
                 <a:latin typeface="Segoe UI Light"/>
               </a:rPr>
-              <a:t>610557 </a:t>
+              <a:t>610557 Munkhzorig Bayartosgt</a:t>
             </a:r>
-            <a:r>
-              <a:rPr lang="en-US" sz="2800" b="0" strike="noStrike" spc="-1" dirty="0" err="1">
-                <a:solidFill>
-                  <a:srgbClr val="D24726"/>
-                </a:solidFill>
-                <a:latin typeface="Segoe UI Light"/>
-              </a:rPr>
-              <a:t>Munkhzorig</a:t>
-            </a:r>
-            <a:r>
-              <a:rPr lang="en-US" sz="2800" b="0" strike="noStrike" spc="-1" dirty="0">
-                <a:solidFill>
-                  <a:srgbClr val="D24726"/>
-                </a:solidFill>
-                <a:latin typeface="Segoe UI Light"/>
-              </a:rPr>
-              <a:t> </a:t>
-            </a:r>
-            <a:r>
-              <a:rPr lang="en-US" sz="2800" b="0" strike="noStrike" spc="-1" dirty="0" err="1">
-                <a:solidFill>
-                  <a:srgbClr val="D24726"/>
-                </a:solidFill>
-                <a:latin typeface="Segoe UI Light"/>
-              </a:rPr>
-              <a:t>Bayartosgt</a:t>
-            </a:r>
-            <a:endParaRPr lang="en-US" sz="2800" b="0" strike="noStrike" spc="-1" dirty="0">
+            <a:endParaRPr lang="en-US" sz="2800" b="0" strike="noStrike" spc="-1">
               <a:latin typeface="Arial"/>
             </a:endParaRPr>
           </a:p>
@@ -7339,7 +7320,7 @@
               </a:spcBef>
             </a:pPr>
             <a:r>
-              <a:rPr lang="en-US" sz="2800" b="0" strike="noStrike" spc="-1" dirty="0">
+              <a:rPr lang="en-US" sz="2800" b="0" strike="noStrike" spc="-1">
                 <a:solidFill>
                   <a:srgbClr val="D24726"/>
                 </a:solidFill>
@@ -7347,7 +7328,7 @@
               </a:rPr>
               <a:t>610561 Tuvshintur Batzorig</a:t>
             </a:r>
-            <a:endParaRPr lang="en-US" sz="2800" b="0" strike="noStrike" spc="-1" dirty="0">
+            <a:endParaRPr lang="en-US" sz="2800" b="0" strike="noStrike" spc="-1">
               <a:latin typeface="Arial"/>
             </a:endParaRPr>
           </a:p>
@@ -7361,47 +7342,14 @@
               </a:spcBef>
             </a:pPr>
             <a:r>
-              <a:rPr lang="en-US" sz="2800" b="0" strike="noStrike" spc="-1" dirty="0">
+              <a:rPr lang="en-US" sz="2800" b="0" strike="noStrike" spc="-1">
                 <a:solidFill>
                   <a:srgbClr val="D24726"/>
                 </a:solidFill>
                 <a:latin typeface="Segoe UI Light"/>
               </a:rPr>
-              <a:t>610567 </a:t>
+              <a:t>610567 Davaaabayar Battogtokh</a:t>
             </a:r>
-            <a:r>
-              <a:rPr lang="en-US" sz="2800" b="0" strike="noStrike" spc="-1" dirty="0" err="1">
-                <a:solidFill>
-                  <a:srgbClr val="D24726"/>
-                </a:solidFill>
-                <a:latin typeface="Segoe UI Light"/>
-              </a:rPr>
-              <a:t>Davaaabayar</a:t>
-            </a:r>
-            <a:r>
-              <a:rPr lang="en-US" sz="2800" b="0" strike="noStrike" spc="-1" dirty="0">
-                <a:solidFill>
-                  <a:srgbClr val="D24726"/>
-                </a:solidFill>
-                <a:latin typeface="Segoe UI Light"/>
-              </a:rPr>
-              <a:t> </a:t>
-            </a:r>
-            <a:r>
-              <a:rPr lang="en-US" sz="2800" b="0" strike="noStrike" spc="-1" dirty="0" err="1">
-                <a:solidFill>
-                  <a:srgbClr val="D24726"/>
-                </a:solidFill>
-                <a:latin typeface="Segoe UI Light"/>
-              </a:rPr>
-              <a:t>Battogtokh</a:t>
-            </a:r>
-            <a:endParaRPr lang="en-US" sz="2800" b="0" strike="noStrike" spc="-1" dirty="0">
-              <a:solidFill>
-                <a:srgbClr val="D24726"/>
-              </a:solidFill>
-              <a:latin typeface="Segoe UI Light"/>
-            </a:endParaRPr>
           </a:p>
           <a:p>
             <a:pPr>
@@ -7413,47 +7361,14 @@
               </a:spcBef>
             </a:pPr>
             <a:r>
-              <a:rPr lang="en-US" sz="2800" spc="-1" dirty="0">
+              <a:rPr lang="en-US" sz="2800" spc="-1">
                 <a:solidFill>
                   <a:srgbClr val="D24726"/>
                 </a:solidFill>
                 <a:latin typeface="Segoe UI Light"/>
               </a:rPr>
-              <a:t>610526 </a:t>
+              <a:t>610526 Odbayar Nanjidjamts</a:t>
             </a:r>
-            <a:r>
-              <a:rPr lang="en-US" sz="2800" spc="-1" dirty="0" err="1">
-                <a:solidFill>
-                  <a:srgbClr val="D24726"/>
-                </a:solidFill>
-                <a:latin typeface="Segoe UI Light"/>
-              </a:rPr>
-              <a:t>Odbayar</a:t>
-            </a:r>
-            <a:r>
-              <a:rPr lang="en-US" sz="2800" spc="-1" dirty="0">
-                <a:solidFill>
-                  <a:srgbClr val="D24726"/>
-                </a:solidFill>
-                <a:latin typeface="Segoe UI Light"/>
-              </a:rPr>
-              <a:t> </a:t>
-            </a:r>
-            <a:r>
-              <a:rPr lang="en-US" sz="2800" spc="-1" dirty="0" err="1">
-                <a:solidFill>
-                  <a:srgbClr val="D24726"/>
-                </a:solidFill>
-                <a:latin typeface="Segoe UI Light"/>
-              </a:rPr>
-              <a:t>Nanjidjamts</a:t>
-            </a:r>
-            <a:endParaRPr lang="en-US" sz="2800" spc="-1" dirty="0">
-              <a:solidFill>
-                <a:srgbClr val="D24726"/>
-              </a:solidFill>
-              <a:latin typeface="Segoe UI Light"/>
-            </a:endParaRPr>
           </a:p>
           <a:p>
             <a:pPr>
@@ -7465,47 +7380,14 @@
               </a:spcBef>
             </a:pPr>
             <a:r>
-              <a:rPr lang="en-US" sz="2800" spc="-1" dirty="0">
+              <a:rPr lang="en-US" sz="2800" spc="-1">
                 <a:solidFill>
                   <a:srgbClr val="D24726"/>
                 </a:solidFill>
                 <a:latin typeface="Segoe UI Light"/>
               </a:rPr>
-              <a:t>961800 </a:t>
+              <a:t>961800 Manduul Enkhee</a:t>
             </a:r>
-            <a:r>
-              <a:rPr lang="en-US" sz="2800" spc="-1" dirty="0" err="1">
-                <a:solidFill>
-                  <a:srgbClr val="D24726"/>
-                </a:solidFill>
-                <a:latin typeface="Segoe UI Light"/>
-              </a:rPr>
-              <a:t>Manduul</a:t>
-            </a:r>
-            <a:r>
-              <a:rPr lang="en-US" sz="2800" spc="-1" dirty="0">
-                <a:solidFill>
-                  <a:srgbClr val="D24726"/>
-                </a:solidFill>
-                <a:latin typeface="Segoe UI Light"/>
-              </a:rPr>
-              <a:t> </a:t>
-            </a:r>
-            <a:r>
-              <a:rPr lang="en-US" sz="2800" spc="-1" dirty="0" err="1">
-                <a:solidFill>
-                  <a:srgbClr val="D24726"/>
-                </a:solidFill>
-                <a:latin typeface="Segoe UI Light"/>
-              </a:rPr>
-              <a:t>Enkhee</a:t>
-            </a:r>
-            <a:endParaRPr lang="en-US" sz="2800" spc="-1" dirty="0">
-              <a:solidFill>
-                <a:srgbClr val="D24726"/>
-              </a:solidFill>
-              <a:latin typeface="Segoe UI Light"/>
-            </a:endParaRPr>
           </a:p>
           <a:p>
             <a:pPr>
@@ -7516,7 +7398,7 @@
                 <a:spcPts val="601"/>
               </a:spcBef>
             </a:pPr>
-            <a:endParaRPr lang="en-US" sz="2800" b="0" strike="noStrike" spc="-1" dirty="0">
+            <a:endParaRPr lang="en-US" sz="2800" b="0" strike="noStrike" spc="-1">
               <a:solidFill>
                 <a:srgbClr val="D24726"/>
               </a:solidFill>
@@ -7532,7 +7414,7 @@
                 <a:spcPts val="601"/>
               </a:spcBef>
             </a:pPr>
-            <a:endParaRPr lang="en-US" sz="2800" b="0" strike="noStrike" spc="-1" dirty="0">
+            <a:endParaRPr lang="en-US" sz="2800" b="0" strike="noStrike" spc="-1">
               <a:latin typeface="Arial"/>
             </a:endParaRPr>
           </a:p>
@@ -7627,7 +7509,7 @@
               </a:spcBef>
             </a:pPr>
             <a:r>
-              <a:rPr lang="en-US" spc="-1" dirty="0">
+              <a:rPr lang="en-US" spc="-1">
                 <a:solidFill>
                   <a:srgbClr val="DD462F"/>
                 </a:solidFill>
@@ -7635,7 +7517,7 @@
               </a:rPr>
               <a:t>MUM CS472-2019-11A-11D</a:t>
             </a:r>
-            <a:endParaRPr lang="en-US" sz="1800" b="0" strike="noStrike" spc="-1" dirty="0">
+            <a:endParaRPr lang="en-US" sz="1800" b="0" strike="noStrike" spc="-1">
               <a:latin typeface="Arial"/>
             </a:endParaRPr>
           </a:p>
@@ -7809,57 +7691,14 @@
       </p:sp>
       <p:sp>
         <p:nvSpPr>
-          <p:cNvPr id="140" name="TextShape 3"/>
-          <p:cNvSpPr txBox="1"/>
-          <p:nvPr/>
-        </p:nvSpPr>
-        <p:spPr>
-          <a:xfrm>
-            <a:off x="8077320" y="6356520"/>
-            <a:ext cx="3276360" cy="364680"/>
-          </a:xfrm>
-          <a:prstGeom prst="rect">
-            <a:avLst/>
-          </a:prstGeom>
-          <a:noFill/>
-          <a:ln>
-            <a:noFill/>
-          </a:ln>
-        </p:spPr>
-        <p:txBody>
-          <a:bodyPr anchor="ctr"/>
-          <a:lstStyle/>
-          <a:p>
-            <a:pPr algn="r">
-              <a:lnSpc>
-                <a:spcPct val="100000"/>
-              </a:lnSpc>
-            </a:pPr>
-            <a:fld id="{9A446B00-9B37-4CDC-953C-1D946796776A}" type="slidenum">
-              <a:rPr lang="en-US" sz="1200" b="0" strike="noStrike" spc="-1">
-                <a:solidFill>
-                  <a:srgbClr val="8B8B8B"/>
-                </a:solidFill>
-                <a:latin typeface="Segoe UI"/>
-              </a:rPr>
-              <a:t>2</a:t>
-            </a:fld>
-            <a:endParaRPr lang="en-US" sz="1200" b="0" strike="noStrike" spc="-1">
-              <a:latin typeface="Times New Roman"/>
-            </a:endParaRPr>
-          </a:p>
-        </p:txBody>
-      </p:sp>
-      <p:sp>
-        <p:nvSpPr>
           <p:cNvPr id="142" name="CustomShape 4"/>
           <p:cNvSpPr/>
           <p:nvPr/>
         </p:nvSpPr>
         <p:spPr>
           <a:xfrm>
-            <a:off x="6501455" y="2297340"/>
-            <a:ext cx="5433120" cy="3259400"/>
+            <a:off x="351692" y="1336431"/>
+            <a:ext cx="11582883" cy="4220309"/>
           </a:xfrm>
           <a:prstGeom prst="rect">
             <a:avLst/>
@@ -7909,53 +7748,6 @@
           </a:p>
         </p:txBody>
       </p:sp>
-      <p:pic>
-        <p:nvPicPr>
-          <p:cNvPr id="2050" name="Picture 2" descr="STEAK-н зурган илэрц&quot;">
-            <a:extLst>
-              <a:ext uri="{FF2B5EF4-FFF2-40B4-BE49-F238E27FC236}">
-                <a16:creationId xmlns:a16="http://schemas.microsoft.com/office/drawing/2014/main" id="{AA0CE89E-B4C7-4B66-9653-A8DEBE31834F}"/>
-              </a:ext>
-            </a:extLst>
-          </p:cNvPr>
-          <p:cNvPicPr>
-            <a:picLocks noChangeAspect="1" noChangeArrowheads="1"/>
-          </p:cNvPicPr>
-          <p:nvPr/>
-        </p:nvPicPr>
-        <p:blipFill>
-          <a:blip r:embed="rId2">
-            <a:extLst>
-              <a:ext uri="{28A0092B-C50C-407E-A947-70E740481C1C}">
-                <a14:useLocalDpi xmlns:a14="http://schemas.microsoft.com/office/drawing/2010/main" val="0"/>
-              </a:ext>
-            </a:extLst>
-          </a:blip>
-          <a:srcRect/>
-          <a:stretch>
-            <a:fillRect/>
-          </a:stretch>
-        </p:blipFill>
-        <p:spPr bwMode="auto">
-          <a:xfrm>
-            <a:off x="257425" y="2066876"/>
-            <a:ext cx="6200670" cy="3489864"/>
-          </a:xfrm>
-          <a:prstGeom prst="rect">
-            <a:avLst/>
-          </a:prstGeom>
-          <a:noFill/>
-          <a:extLst>
-            <a:ext uri="{909E8E84-426E-40DD-AFC4-6F175D3DCCD1}">
-              <a14:hiddenFill xmlns:a14="http://schemas.microsoft.com/office/drawing/2010/main">
-                <a:solidFill>
-                  <a:srgbClr val="FFFFFF"/>
-                </a:solidFill>
-              </a14:hiddenFill>
-            </a:ext>
-          </a:extLst>
-        </p:spPr>
-      </p:pic>
     </p:spTree>
   </p:cSld>
   <p:clrMapOvr>
@@ -9006,6 +8798,42 @@
           </a:p>
         </p:txBody>
       </p:sp>
+      <p:pic>
+        <p:nvPicPr>
+          <p:cNvPr id="3" name="Picture 2">
+            <a:extLst>
+              <a:ext uri="{FF2B5EF4-FFF2-40B4-BE49-F238E27FC236}">
+                <a16:creationId xmlns:a16="http://schemas.microsoft.com/office/drawing/2014/main" id="{646E72F7-2181-4B68-830F-6E9CC5AE7862}"/>
+              </a:ext>
+            </a:extLst>
+          </p:cNvPr>
+          <p:cNvPicPr>
+            <a:picLocks noChangeAspect="1"/>
+          </p:cNvPicPr>
+          <p:nvPr/>
+        </p:nvPicPr>
+        <p:blipFill>
+          <a:blip r:embed="rId2">
+            <a:extLst>
+              <a:ext uri="{28A0092B-C50C-407E-A947-70E740481C1C}">
+                <a14:useLocalDpi xmlns:a14="http://schemas.microsoft.com/office/drawing/2010/main" val="0"/>
+              </a:ext>
+            </a:extLst>
+          </a:blip>
+          <a:stretch>
+            <a:fillRect/>
+          </a:stretch>
+        </p:blipFill>
+        <p:spPr>
+          <a:xfrm>
+            <a:off x="2399109" y="767880"/>
+            <a:ext cx="7393781" cy="6090120"/>
+          </a:xfrm>
+          <a:prstGeom prst="rect">
+            <a:avLst/>
+          </a:prstGeom>
+        </p:spPr>
+      </p:pic>
     </p:spTree>
   </p:cSld>
   <p:clrMapOvr>

--- a/FOOD ORDERING SYSTEM.pptx
+++ b/FOOD ORDERING SYSTEM.pptx
@@ -7583,6 +7583,9 @@
   <p:clrMapOvr>
     <a:masterClrMapping/>
   </p:clrMapOvr>
+  <p:transition spd="slow">
+    <p:push dir="u"/>
+  </p:transition>
   <p:timing>
     <p:tnLst>
       <p:par>
@@ -7638,7 +7641,7 @@
         </p:nvSpPr>
         <p:spPr>
           <a:xfrm>
-            <a:off x="0" y="0"/>
+            <a:off x="-1" y="0"/>
             <a:ext cx="12191760" cy="767880"/>
           </a:xfrm>
           <a:prstGeom prst="rect">
@@ -7675,15 +7678,15 @@
               </a:lnSpc>
             </a:pPr>
             <a:r>
-              <a:rPr lang="en-US" sz="4400" b="1" strike="noStrike" spc="-1">
+              <a:rPr lang="en-US" sz="4400" b="1" strike="noStrike" spc="-1" dirty="0">
                 <a:solidFill>
                   <a:srgbClr val="FFFFFF"/>
                 </a:solidFill>
                 <a:latin typeface="Segoe UI Light"/>
               </a:rPr>
-              <a:t>  1. Problem scenario</a:t>
+              <a:t>  1. Project Description</a:t>
             </a:r>
-            <a:endParaRPr lang="en-US" sz="4400" b="0" strike="noStrike" spc="-1">
+            <a:endParaRPr lang="en-US" sz="4400" b="0" strike="noStrike" spc="-1" dirty="0">
               <a:latin typeface="Arial"/>
             </a:endParaRPr>
           </a:p>
@@ -7697,8 +7700,8 @@
         </p:nvSpPr>
         <p:spPr>
           <a:xfrm>
-            <a:off x="351692" y="1336431"/>
-            <a:ext cx="11582883" cy="4220309"/>
+            <a:off x="789833" y="1550963"/>
+            <a:ext cx="10330737" cy="4427806"/>
           </a:xfrm>
           <a:prstGeom prst="rect">
             <a:avLst/>
@@ -7725,26 +7728,68 @@
           <a:lstStyle/>
           <a:p>
             <a:r>
-              <a:rPr lang="en-US" dirty="0"/>
-              <a:t>As title says our project is going to be food ordering website using java servlet and </a:t>
+              <a:rPr lang="en-US" sz="3200" dirty="0"/>
+              <a:t>Our project is a food ordering web app for people looking for healthy meal options. </a:t>
             </a:r>
+          </a:p>
+          <a:p>
+            <a:endParaRPr lang="en-US" sz="3200" dirty="0"/>
+          </a:p>
+          <a:p>
             <a:r>
-              <a:rPr lang="en-US" dirty="0" err="1"/>
-              <a:t>jsp</a:t>
+              <a:rPr lang="en-US" sz="2800" b="1" dirty="0"/>
+              <a:t>Features</a:t>
             </a:r>
+          </a:p>
+          <a:p>
+            <a:pPr marL="457200" indent="-457200">
+              <a:buFont typeface="Arial" panose="020B0604020202020204" pitchFamily="34" charset="0"/>
+              <a:buChar char="•"/>
+            </a:pPr>
             <a:r>
-              <a:rPr lang="en-US" dirty="0"/>
-              <a:t>. In this website you can select your desired food from the menu and put it in your order list. There will be two types of user. Admin user which will manage user orders and creating menu set. And there will be registered users which is capable of ordering food from our website. </a:t>
+              <a:rPr lang="en-US" sz="2800" dirty="0"/>
+              <a:t>Foods has meal type and calories information</a:t>
             </a:r>
           </a:p>
           <a:p>
+            <a:pPr marL="457200" indent="-457200">
+              <a:buFont typeface="Arial" panose="020B0604020202020204" pitchFamily="34" charset="0"/>
+              <a:buChar char="•"/>
+            </a:pPr>
             <a:r>
-              <a:rPr lang="en-US" dirty="0"/>
-              <a:t>Our main features will be food types and calculated calories. </a:t>
+              <a:rPr lang="en-US" sz="2800" dirty="0"/>
+              <a:t>Filter foods based on meal preference</a:t>
             </a:r>
-            <a:endParaRPr lang="en-US" sz="2000" b="0" strike="noStrike" spc="-1" dirty="0">
-              <a:latin typeface="Arial"/>
-            </a:endParaRPr>
+          </a:p>
+          <a:p>
+            <a:pPr marL="457200" indent="-457200">
+              <a:buFont typeface="Arial" panose="020B0604020202020204" pitchFamily="34" charset="0"/>
+              <a:buChar char="•"/>
+            </a:pPr>
+            <a:r>
+              <a:rPr lang="en-US" sz="2800" dirty="0"/>
+              <a:t>Place order</a:t>
+            </a:r>
+          </a:p>
+          <a:p>
+            <a:pPr marL="457200" indent="-457200">
+              <a:buFont typeface="Arial" panose="020B0604020202020204" pitchFamily="34" charset="0"/>
+              <a:buChar char="•"/>
+            </a:pPr>
+            <a:r>
+              <a:rPr lang="en-US" sz="2800" dirty="0"/>
+              <a:t>Two types of user role</a:t>
+            </a:r>
+          </a:p>
+          <a:p>
+            <a:pPr marL="457200" indent="-457200">
+              <a:buFont typeface="Arial" panose="020B0604020202020204" pitchFamily="34" charset="0"/>
+              <a:buChar char="•"/>
+            </a:pPr>
+            <a:r>
+              <a:rPr lang="en-US" sz="2800" dirty="0"/>
+              <a:t>Admin user which will manage orders and create menus. </a:t>
+            </a:r>
           </a:p>
         </p:txBody>
       </p:sp>
@@ -7759,7 +7804,725 @@
         <p:cTn id="1" dur="indefinite" restart="never" nodeType="tmRoot">
           <p:childTnLst>
             <p:seq>
-              <p:cTn id="2" dur="indefinite" nodeType="mainSeq"/>
+              <p:cTn id="2" dur="indefinite" nodeType="mainSeq">
+                <p:childTnLst>
+                  <p:par>
+                    <p:cTn id="3" fill="hold">
+                      <p:stCondLst>
+                        <p:cond delay="indefinite"/>
+                      </p:stCondLst>
+                      <p:childTnLst>
+                        <p:par>
+                          <p:cTn id="4" fill="hold">
+                            <p:stCondLst>
+                              <p:cond delay="0"/>
+                            </p:stCondLst>
+                            <p:childTnLst>
+                              <p:par>
+                                <p:cTn id="5" presetID="42" presetClass="entr" presetSubtype="0" fill="hold" nodeType="clickEffect">
+                                  <p:stCondLst>
+                                    <p:cond delay="0"/>
+                                  </p:stCondLst>
+                                  <p:childTnLst>
+                                    <p:set>
+                                      <p:cBhvr>
+                                        <p:cTn id="6" dur="1" fill="hold">
+                                          <p:stCondLst>
+                                            <p:cond delay="0"/>
+                                          </p:stCondLst>
+                                        </p:cTn>
+                                        <p:tgtEl>
+                                          <p:spTgt spid="142">
+                                            <p:txEl>
+                                              <p:pRg st="0" end="0"/>
+                                            </p:txEl>
+                                          </p:spTgt>
+                                        </p:tgtEl>
+                                        <p:attrNameLst>
+                                          <p:attrName>style.visibility</p:attrName>
+                                        </p:attrNameLst>
+                                      </p:cBhvr>
+                                      <p:to>
+                                        <p:strVal val="visible"/>
+                                      </p:to>
+                                    </p:set>
+                                    <p:animEffect transition="in" filter="fade">
+                                      <p:cBhvr>
+                                        <p:cTn id="7" dur="1000"/>
+                                        <p:tgtEl>
+                                          <p:spTgt spid="142">
+                                            <p:txEl>
+                                              <p:pRg st="0" end="0"/>
+                                            </p:txEl>
+                                          </p:spTgt>
+                                        </p:tgtEl>
+                                      </p:cBhvr>
+                                    </p:animEffect>
+                                    <p:anim calcmode="lin" valueType="num">
+                                      <p:cBhvr>
+                                        <p:cTn id="8" dur="1000" fill="hold"/>
+                                        <p:tgtEl>
+                                          <p:spTgt spid="142">
+                                            <p:txEl>
+                                              <p:pRg st="0" end="0"/>
+                                            </p:txEl>
+                                          </p:spTgt>
+                                        </p:tgtEl>
+                                        <p:attrNameLst>
+                                          <p:attrName>ppt_x</p:attrName>
+                                        </p:attrNameLst>
+                                      </p:cBhvr>
+                                      <p:tavLst>
+                                        <p:tav tm="0">
+                                          <p:val>
+                                            <p:strVal val="#ppt_x"/>
+                                          </p:val>
+                                        </p:tav>
+                                        <p:tav tm="100000">
+                                          <p:val>
+                                            <p:strVal val="#ppt_x"/>
+                                          </p:val>
+                                        </p:tav>
+                                      </p:tavLst>
+                                    </p:anim>
+                                    <p:anim calcmode="lin" valueType="num">
+                                      <p:cBhvr>
+                                        <p:cTn id="9" dur="1000" fill="hold"/>
+                                        <p:tgtEl>
+                                          <p:spTgt spid="142">
+                                            <p:txEl>
+                                              <p:pRg st="0" end="0"/>
+                                            </p:txEl>
+                                          </p:spTgt>
+                                        </p:tgtEl>
+                                        <p:attrNameLst>
+                                          <p:attrName>ppt_y</p:attrName>
+                                        </p:attrNameLst>
+                                      </p:cBhvr>
+                                      <p:tavLst>
+                                        <p:tav tm="0">
+                                          <p:val>
+                                            <p:strVal val="#ppt_y+.1"/>
+                                          </p:val>
+                                        </p:tav>
+                                        <p:tav tm="100000">
+                                          <p:val>
+                                            <p:strVal val="#ppt_y"/>
+                                          </p:val>
+                                        </p:tav>
+                                      </p:tavLst>
+                                    </p:anim>
+                                  </p:childTnLst>
+                                </p:cTn>
+                              </p:par>
+                            </p:childTnLst>
+                          </p:cTn>
+                        </p:par>
+                      </p:childTnLst>
+                    </p:cTn>
+                  </p:par>
+                  <p:par>
+                    <p:cTn id="10" fill="hold">
+                      <p:stCondLst>
+                        <p:cond delay="indefinite"/>
+                      </p:stCondLst>
+                      <p:childTnLst>
+                        <p:par>
+                          <p:cTn id="11" fill="hold">
+                            <p:stCondLst>
+                              <p:cond delay="0"/>
+                            </p:stCondLst>
+                            <p:childTnLst>
+                              <p:par>
+                                <p:cTn id="12" presetID="42" presetClass="entr" presetSubtype="0" fill="hold" nodeType="clickEffect">
+                                  <p:stCondLst>
+                                    <p:cond delay="0"/>
+                                  </p:stCondLst>
+                                  <p:childTnLst>
+                                    <p:set>
+                                      <p:cBhvr>
+                                        <p:cTn id="13" dur="1" fill="hold">
+                                          <p:stCondLst>
+                                            <p:cond delay="0"/>
+                                          </p:stCondLst>
+                                        </p:cTn>
+                                        <p:tgtEl>
+                                          <p:spTgt spid="142">
+                                            <p:txEl>
+                                              <p:pRg st="2" end="2"/>
+                                            </p:txEl>
+                                          </p:spTgt>
+                                        </p:tgtEl>
+                                        <p:attrNameLst>
+                                          <p:attrName>style.visibility</p:attrName>
+                                        </p:attrNameLst>
+                                      </p:cBhvr>
+                                      <p:to>
+                                        <p:strVal val="visible"/>
+                                      </p:to>
+                                    </p:set>
+                                    <p:animEffect transition="in" filter="fade">
+                                      <p:cBhvr>
+                                        <p:cTn id="14" dur="1000"/>
+                                        <p:tgtEl>
+                                          <p:spTgt spid="142">
+                                            <p:txEl>
+                                              <p:pRg st="2" end="2"/>
+                                            </p:txEl>
+                                          </p:spTgt>
+                                        </p:tgtEl>
+                                      </p:cBhvr>
+                                    </p:animEffect>
+                                    <p:anim calcmode="lin" valueType="num">
+                                      <p:cBhvr>
+                                        <p:cTn id="15" dur="1000" fill="hold"/>
+                                        <p:tgtEl>
+                                          <p:spTgt spid="142">
+                                            <p:txEl>
+                                              <p:pRg st="2" end="2"/>
+                                            </p:txEl>
+                                          </p:spTgt>
+                                        </p:tgtEl>
+                                        <p:attrNameLst>
+                                          <p:attrName>ppt_x</p:attrName>
+                                        </p:attrNameLst>
+                                      </p:cBhvr>
+                                      <p:tavLst>
+                                        <p:tav tm="0">
+                                          <p:val>
+                                            <p:strVal val="#ppt_x"/>
+                                          </p:val>
+                                        </p:tav>
+                                        <p:tav tm="100000">
+                                          <p:val>
+                                            <p:strVal val="#ppt_x"/>
+                                          </p:val>
+                                        </p:tav>
+                                      </p:tavLst>
+                                    </p:anim>
+                                    <p:anim calcmode="lin" valueType="num">
+                                      <p:cBhvr>
+                                        <p:cTn id="16" dur="1000" fill="hold"/>
+                                        <p:tgtEl>
+                                          <p:spTgt spid="142">
+                                            <p:txEl>
+                                              <p:pRg st="2" end="2"/>
+                                            </p:txEl>
+                                          </p:spTgt>
+                                        </p:tgtEl>
+                                        <p:attrNameLst>
+                                          <p:attrName>ppt_y</p:attrName>
+                                        </p:attrNameLst>
+                                      </p:cBhvr>
+                                      <p:tavLst>
+                                        <p:tav tm="0">
+                                          <p:val>
+                                            <p:strVal val="#ppt_y+.1"/>
+                                          </p:val>
+                                        </p:tav>
+                                        <p:tav tm="100000">
+                                          <p:val>
+                                            <p:strVal val="#ppt_y"/>
+                                          </p:val>
+                                        </p:tav>
+                                      </p:tavLst>
+                                    </p:anim>
+                                  </p:childTnLst>
+                                </p:cTn>
+                              </p:par>
+                              <p:par>
+                                <p:cTn id="17" presetID="42" presetClass="entr" presetSubtype="0" fill="hold" nodeType="withEffect">
+                                  <p:stCondLst>
+                                    <p:cond delay="0"/>
+                                  </p:stCondLst>
+                                  <p:childTnLst>
+                                    <p:set>
+                                      <p:cBhvr>
+                                        <p:cTn id="18" dur="1" fill="hold">
+                                          <p:stCondLst>
+                                            <p:cond delay="0"/>
+                                          </p:stCondLst>
+                                        </p:cTn>
+                                        <p:tgtEl>
+                                          <p:spTgt spid="142">
+                                            <p:txEl>
+                                              <p:pRg st="3" end="3"/>
+                                            </p:txEl>
+                                          </p:spTgt>
+                                        </p:tgtEl>
+                                        <p:attrNameLst>
+                                          <p:attrName>style.visibility</p:attrName>
+                                        </p:attrNameLst>
+                                      </p:cBhvr>
+                                      <p:to>
+                                        <p:strVal val="visible"/>
+                                      </p:to>
+                                    </p:set>
+                                    <p:animEffect transition="in" filter="fade">
+                                      <p:cBhvr>
+                                        <p:cTn id="19" dur="1000"/>
+                                        <p:tgtEl>
+                                          <p:spTgt spid="142">
+                                            <p:txEl>
+                                              <p:pRg st="3" end="3"/>
+                                            </p:txEl>
+                                          </p:spTgt>
+                                        </p:tgtEl>
+                                      </p:cBhvr>
+                                    </p:animEffect>
+                                    <p:anim calcmode="lin" valueType="num">
+                                      <p:cBhvr>
+                                        <p:cTn id="20" dur="1000" fill="hold"/>
+                                        <p:tgtEl>
+                                          <p:spTgt spid="142">
+                                            <p:txEl>
+                                              <p:pRg st="3" end="3"/>
+                                            </p:txEl>
+                                          </p:spTgt>
+                                        </p:tgtEl>
+                                        <p:attrNameLst>
+                                          <p:attrName>ppt_x</p:attrName>
+                                        </p:attrNameLst>
+                                      </p:cBhvr>
+                                      <p:tavLst>
+                                        <p:tav tm="0">
+                                          <p:val>
+                                            <p:strVal val="#ppt_x"/>
+                                          </p:val>
+                                        </p:tav>
+                                        <p:tav tm="100000">
+                                          <p:val>
+                                            <p:strVal val="#ppt_x"/>
+                                          </p:val>
+                                        </p:tav>
+                                      </p:tavLst>
+                                    </p:anim>
+                                    <p:anim calcmode="lin" valueType="num">
+                                      <p:cBhvr>
+                                        <p:cTn id="21" dur="1000" fill="hold"/>
+                                        <p:tgtEl>
+                                          <p:spTgt spid="142">
+                                            <p:txEl>
+                                              <p:pRg st="3" end="3"/>
+                                            </p:txEl>
+                                          </p:spTgt>
+                                        </p:tgtEl>
+                                        <p:attrNameLst>
+                                          <p:attrName>ppt_y</p:attrName>
+                                        </p:attrNameLst>
+                                      </p:cBhvr>
+                                      <p:tavLst>
+                                        <p:tav tm="0">
+                                          <p:val>
+                                            <p:strVal val="#ppt_y+.1"/>
+                                          </p:val>
+                                        </p:tav>
+                                        <p:tav tm="100000">
+                                          <p:val>
+                                            <p:strVal val="#ppt_y"/>
+                                          </p:val>
+                                        </p:tav>
+                                      </p:tavLst>
+                                    </p:anim>
+                                  </p:childTnLst>
+                                </p:cTn>
+                              </p:par>
+                              <p:par>
+                                <p:cTn id="22" presetID="42" presetClass="entr" presetSubtype="0" fill="hold" nodeType="withEffect">
+                                  <p:stCondLst>
+                                    <p:cond delay="0"/>
+                                  </p:stCondLst>
+                                  <p:childTnLst>
+                                    <p:set>
+                                      <p:cBhvr>
+                                        <p:cTn id="23" dur="1" fill="hold">
+                                          <p:stCondLst>
+                                            <p:cond delay="0"/>
+                                          </p:stCondLst>
+                                        </p:cTn>
+                                        <p:tgtEl>
+                                          <p:spTgt spid="142">
+                                            <p:txEl>
+                                              <p:pRg st="4" end="4"/>
+                                            </p:txEl>
+                                          </p:spTgt>
+                                        </p:tgtEl>
+                                        <p:attrNameLst>
+                                          <p:attrName>style.visibility</p:attrName>
+                                        </p:attrNameLst>
+                                      </p:cBhvr>
+                                      <p:to>
+                                        <p:strVal val="visible"/>
+                                      </p:to>
+                                    </p:set>
+                                    <p:animEffect transition="in" filter="fade">
+                                      <p:cBhvr>
+                                        <p:cTn id="24" dur="1000"/>
+                                        <p:tgtEl>
+                                          <p:spTgt spid="142">
+                                            <p:txEl>
+                                              <p:pRg st="4" end="4"/>
+                                            </p:txEl>
+                                          </p:spTgt>
+                                        </p:tgtEl>
+                                      </p:cBhvr>
+                                    </p:animEffect>
+                                    <p:anim calcmode="lin" valueType="num">
+                                      <p:cBhvr>
+                                        <p:cTn id="25" dur="1000" fill="hold"/>
+                                        <p:tgtEl>
+                                          <p:spTgt spid="142">
+                                            <p:txEl>
+                                              <p:pRg st="4" end="4"/>
+                                            </p:txEl>
+                                          </p:spTgt>
+                                        </p:tgtEl>
+                                        <p:attrNameLst>
+                                          <p:attrName>ppt_x</p:attrName>
+                                        </p:attrNameLst>
+                                      </p:cBhvr>
+                                      <p:tavLst>
+                                        <p:tav tm="0">
+                                          <p:val>
+                                            <p:strVal val="#ppt_x"/>
+                                          </p:val>
+                                        </p:tav>
+                                        <p:tav tm="100000">
+                                          <p:val>
+                                            <p:strVal val="#ppt_x"/>
+                                          </p:val>
+                                        </p:tav>
+                                      </p:tavLst>
+                                    </p:anim>
+                                    <p:anim calcmode="lin" valueType="num">
+                                      <p:cBhvr>
+                                        <p:cTn id="26" dur="1000" fill="hold"/>
+                                        <p:tgtEl>
+                                          <p:spTgt spid="142">
+                                            <p:txEl>
+                                              <p:pRg st="4" end="4"/>
+                                            </p:txEl>
+                                          </p:spTgt>
+                                        </p:tgtEl>
+                                        <p:attrNameLst>
+                                          <p:attrName>ppt_y</p:attrName>
+                                        </p:attrNameLst>
+                                      </p:cBhvr>
+                                      <p:tavLst>
+                                        <p:tav tm="0">
+                                          <p:val>
+                                            <p:strVal val="#ppt_y+.1"/>
+                                          </p:val>
+                                        </p:tav>
+                                        <p:tav tm="100000">
+                                          <p:val>
+                                            <p:strVal val="#ppt_y"/>
+                                          </p:val>
+                                        </p:tav>
+                                      </p:tavLst>
+                                    </p:anim>
+                                  </p:childTnLst>
+                                </p:cTn>
+                              </p:par>
+                              <p:par>
+                                <p:cTn id="27" presetID="42" presetClass="entr" presetSubtype="0" fill="hold" nodeType="withEffect">
+                                  <p:stCondLst>
+                                    <p:cond delay="0"/>
+                                  </p:stCondLst>
+                                  <p:childTnLst>
+                                    <p:set>
+                                      <p:cBhvr>
+                                        <p:cTn id="28" dur="1" fill="hold">
+                                          <p:stCondLst>
+                                            <p:cond delay="0"/>
+                                          </p:stCondLst>
+                                        </p:cTn>
+                                        <p:tgtEl>
+                                          <p:spTgt spid="142">
+                                            <p:txEl>
+                                              <p:pRg st="5" end="5"/>
+                                            </p:txEl>
+                                          </p:spTgt>
+                                        </p:tgtEl>
+                                        <p:attrNameLst>
+                                          <p:attrName>style.visibility</p:attrName>
+                                        </p:attrNameLst>
+                                      </p:cBhvr>
+                                      <p:to>
+                                        <p:strVal val="visible"/>
+                                      </p:to>
+                                    </p:set>
+                                    <p:animEffect transition="in" filter="fade">
+                                      <p:cBhvr>
+                                        <p:cTn id="29" dur="1000"/>
+                                        <p:tgtEl>
+                                          <p:spTgt spid="142">
+                                            <p:txEl>
+                                              <p:pRg st="5" end="5"/>
+                                            </p:txEl>
+                                          </p:spTgt>
+                                        </p:tgtEl>
+                                      </p:cBhvr>
+                                    </p:animEffect>
+                                    <p:anim calcmode="lin" valueType="num">
+                                      <p:cBhvr>
+                                        <p:cTn id="30" dur="1000" fill="hold"/>
+                                        <p:tgtEl>
+                                          <p:spTgt spid="142">
+                                            <p:txEl>
+                                              <p:pRg st="5" end="5"/>
+                                            </p:txEl>
+                                          </p:spTgt>
+                                        </p:tgtEl>
+                                        <p:attrNameLst>
+                                          <p:attrName>ppt_x</p:attrName>
+                                        </p:attrNameLst>
+                                      </p:cBhvr>
+                                      <p:tavLst>
+                                        <p:tav tm="0">
+                                          <p:val>
+                                            <p:strVal val="#ppt_x"/>
+                                          </p:val>
+                                        </p:tav>
+                                        <p:tav tm="100000">
+                                          <p:val>
+                                            <p:strVal val="#ppt_x"/>
+                                          </p:val>
+                                        </p:tav>
+                                      </p:tavLst>
+                                    </p:anim>
+                                    <p:anim calcmode="lin" valueType="num">
+                                      <p:cBhvr>
+                                        <p:cTn id="31" dur="1000" fill="hold"/>
+                                        <p:tgtEl>
+                                          <p:spTgt spid="142">
+                                            <p:txEl>
+                                              <p:pRg st="5" end="5"/>
+                                            </p:txEl>
+                                          </p:spTgt>
+                                        </p:tgtEl>
+                                        <p:attrNameLst>
+                                          <p:attrName>ppt_y</p:attrName>
+                                        </p:attrNameLst>
+                                      </p:cBhvr>
+                                      <p:tavLst>
+                                        <p:tav tm="0">
+                                          <p:val>
+                                            <p:strVal val="#ppt_y+.1"/>
+                                          </p:val>
+                                        </p:tav>
+                                        <p:tav tm="100000">
+                                          <p:val>
+                                            <p:strVal val="#ppt_y"/>
+                                          </p:val>
+                                        </p:tav>
+                                      </p:tavLst>
+                                    </p:anim>
+                                  </p:childTnLst>
+                                </p:cTn>
+                              </p:par>
+                              <p:par>
+                                <p:cTn id="32" presetID="42" presetClass="entr" presetSubtype="0" fill="hold" nodeType="withEffect">
+                                  <p:stCondLst>
+                                    <p:cond delay="0"/>
+                                  </p:stCondLst>
+                                  <p:childTnLst>
+                                    <p:set>
+                                      <p:cBhvr>
+                                        <p:cTn id="33" dur="1" fill="hold">
+                                          <p:stCondLst>
+                                            <p:cond delay="0"/>
+                                          </p:stCondLst>
+                                        </p:cTn>
+                                        <p:tgtEl>
+                                          <p:spTgt spid="142">
+                                            <p:txEl>
+                                              <p:pRg st="6" end="6"/>
+                                            </p:txEl>
+                                          </p:spTgt>
+                                        </p:tgtEl>
+                                        <p:attrNameLst>
+                                          <p:attrName>style.visibility</p:attrName>
+                                        </p:attrNameLst>
+                                      </p:cBhvr>
+                                      <p:to>
+                                        <p:strVal val="visible"/>
+                                      </p:to>
+                                    </p:set>
+                                    <p:animEffect transition="in" filter="fade">
+                                      <p:cBhvr>
+                                        <p:cTn id="34" dur="1000"/>
+                                        <p:tgtEl>
+                                          <p:spTgt spid="142">
+                                            <p:txEl>
+                                              <p:pRg st="6" end="6"/>
+                                            </p:txEl>
+                                          </p:spTgt>
+                                        </p:tgtEl>
+                                      </p:cBhvr>
+                                    </p:animEffect>
+                                    <p:anim calcmode="lin" valueType="num">
+                                      <p:cBhvr>
+                                        <p:cTn id="35" dur="1000" fill="hold"/>
+                                        <p:tgtEl>
+                                          <p:spTgt spid="142">
+                                            <p:txEl>
+                                              <p:pRg st="6" end="6"/>
+                                            </p:txEl>
+                                          </p:spTgt>
+                                        </p:tgtEl>
+                                        <p:attrNameLst>
+                                          <p:attrName>ppt_x</p:attrName>
+                                        </p:attrNameLst>
+                                      </p:cBhvr>
+                                      <p:tavLst>
+                                        <p:tav tm="0">
+                                          <p:val>
+                                            <p:strVal val="#ppt_x"/>
+                                          </p:val>
+                                        </p:tav>
+                                        <p:tav tm="100000">
+                                          <p:val>
+                                            <p:strVal val="#ppt_x"/>
+                                          </p:val>
+                                        </p:tav>
+                                      </p:tavLst>
+                                    </p:anim>
+                                    <p:anim calcmode="lin" valueType="num">
+                                      <p:cBhvr>
+                                        <p:cTn id="36" dur="1000" fill="hold"/>
+                                        <p:tgtEl>
+                                          <p:spTgt spid="142">
+                                            <p:txEl>
+                                              <p:pRg st="6" end="6"/>
+                                            </p:txEl>
+                                          </p:spTgt>
+                                        </p:tgtEl>
+                                        <p:attrNameLst>
+                                          <p:attrName>ppt_y</p:attrName>
+                                        </p:attrNameLst>
+                                      </p:cBhvr>
+                                      <p:tavLst>
+                                        <p:tav tm="0">
+                                          <p:val>
+                                            <p:strVal val="#ppt_y+.1"/>
+                                          </p:val>
+                                        </p:tav>
+                                        <p:tav tm="100000">
+                                          <p:val>
+                                            <p:strVal val="#ppt_y"/>
+                                          </p:val>
+                                        </p:tav>
+                                      </p:tavLst>
+                                    </p:anim>
+                                  </p:childTnLst>
+                                </p:cTn>
+                              </p:par>
+                              <p:par>
+                                <p:cTn id="37" presetID="42" presetClass="entr" presetSubtype="0" fill="hold" nodeType="withEffect">
+                                  <p:stCondLst>
+                                    <p:cond delay="0"/>
+                                  </p:stCondLst>
+                                  <p:childTnLst>
+                                    <p:set>
+                                      <p:cBhvr>
+                                        <p:cTn id="38" dur="1" fill="hold">
+                                          <p:stCondLst>
+                                            <p:cond delay="0"/>
+                                          </p:stCondLst>
+                                        </p:cTn>
+                                        <p:tgtEl>
+                                          <p:spTgt spid="142">
+                                            <p:txEl>
+                                              <p:pRg st="7" end="7"/>
+                                            </p:txEl>
+                                          </p:spTgt>
+                                        </p:tgtEl>
+                                        <p:attrNameLst>
+                                          <p:attrName>style.visibility</p:attrName>
+                                        </p:attrNameLst>
+                                      </p:cBhvr>
+                                      <p:to>
+                                        <p:strVal val="visible"/>
+                                      </p:to>
+                                    </p:set>
+                                    <p:animEffect transition="in" filter="fade">
+                                      <p:cBhvr>
+                                        <p:cTn id="39" dur="1000"/>
+                                        <p:tgtEl>
+                                          <p:spTgt spid="142">
+                                            <p:txEl>
+                                              <p:pRg st="7" end="7"/>
+                                            </p:txEl>
+                                          </p:spTgt>
+                                        </p:tgtEl>
+                                      </p:cBhvr>
+                                    </p:animEffect>
+                                    <p:anim calcmode="lin" valueType="num">
+                                      <p:cBhvr>
+                                        <p:cTn id="40" dur="1000" fill="hold"/>
+                                        <p:tgtEl>
+                                          <p:spTgt spid="142">
+                                            <p:txEl>
+                                              <p:pRg st="7" end="7"/>
+                                            </p:txEl>
+                                          </p:spTgt>
+                                        </p:tgtEl>
+                                        <p:attrNameLst>
+                                          <p:attrName>ppt_x</p:attrName>
+                                        </p:attrNameLst>
+                                      </p:cBhvr>
+                                      <p:tavLst>
+                                        <p:tav tm="0">
+                                          <p:val>
+                                            <p:strVal val="#ppt_x"/>
+                                          </p:val>
+                                        </p:tav>
+                                        <p:tav tm="100000">
+                                          <p:val>
+                                            <p:strVal val="#ppt_x"/>
+                                          </p:val>
+                                        </p:tav>
+                                      </p:tavLst>
+                                    </p:anim>
+                                    <p:anim calcmode="lin" valueType="num">
+                                      <p:cBhvr>
+                                        <p:cTn id="41" dur="1000" fill="hold"/>
+                                        <p:tgtEl>
+                                          <p:spTgt spid="142">
+                                            <p:txEl>
+                                              <p:pRg st="7" end="7"/>
+                                            </p:txEl>
+                                          </p:spTgt>
+                                        </p:tgtEl>
+                                        <p:attrNameLst>
+                                          <p:attrName>ppt_y</p:attrName>
+                                        </p:attrNameLst>
+                                      </p:cBhvr>
+                                      <p:tavLst>
+                                        <p:tav tm="0">
+                                          <p:val>
+                                            <p:strVal val="#ppt_y+.1"/>
+                                          </p:val>
+                                        </p:tav>
+                                        <p:tav tm="100000">
+                                          <p:val>
+                                            <p:strVal val="#ppt_y"/>
+                                          </p:val>
+                                        </p:tav>
+                                      </p:tavLst>
+                                    </p:anim>
+                                  </p:childTnLst>
+                                </p:cTn>
+                              </p:par>
+                            </p:childTnLst>
+                          </p:cTn>
+                        </p:par>
+                      </p:childTnLst>
+                    </p:cTn>
+                  </p:par>
+                </p:childTnLst>
+              </p:cTn>
               <p:prevCondLst>
                 <p:cond evt="onPrev" delay="0">
                   <p:tgtEl>
@@ -7831,7 +8594,7 @@
               </a:lnSpc>
             </a:pPr>
             <a:r>
-              <a:rPr lang="en-US" sz="4400" b="1" strike="noStrike" spc="-1">
+              <a:rPr lang="en-US" sz="4400" b="1" strike="noStrike" spc="-1" dirty="0">
                 <a:solidFill>
                   <a:srgbClr val="FFFFFF"/>
                 </a:solidFill>
@@ -7839,7 +8602,7 @@
               </a:rPr>
               <a:t> 2.Use case diagram</a:t>
             </a:r>
-            <a:endParaRPr lang="en-US" sz="4400" b="0" strike="noStrike" spc="-1">
+            <a:endParaRPr lang="en-US" sz="4400" b="0" strike="noStrike" spc="-1" dirty="0">
               <a:solidFill>
                 <a:srgbClr val="000000"/>
               </a:solidFill>

--- a/FOOD ORDERING SYSTEM.pptx
+++ b/FOOD ORDERING SYSTEM.pptx
@@ -7,16 +7,17 @@
     <p:sldMasterId id="2147483674" r:id="rId3"/>
   </p:sldMasterIdLst>
   <p:notesMasterIdLst>
-    <p:notesMasterId r:id="rId11"/>
+    <p:notesMasterId r:id="rId12"/>
   </p:notesMasterIdLst>
   <p:sldIdLst>
     <p:sldId id="256" r:id="rId4"/>
-    <p:sldId id="257" r:id="rId5"/>
+    <p:sldId id="269" r:id="rId5"/>
     <p:sldId id="258" r:id="rId6"/>
-    <p:sldId id="259" r:id="rId7"/>
-    <p:sldId id="260" r:id="rId8"/>
+    <p:sldId id="260" r:id="rId7"/>
+    <p:sldId id="259" r:id="rId8"/>
     <p:sldId id="261" r:id="rId9"/>
-    <p:sldId id="267" r:id="rId10"/>
+    <p:sldId id="270" r:id="rId10"/>
+    <p:sldId id="267" r:id="rId11"/>
   </p:sldIdLst>
   <p:sldSz cx="12192000" cy="6858000"/>
   <p:notesSz cx="6858000" cy="9144000"/>
@@ -681,7 +682,7 @@
                 <a:latin typeface="+mn-lt"/>
                 <a:ea typeface="+mn-ea"/>
               </a:rPr>
-              <a:t>7</a:t>
+              <a:t>8</a:t>
             </a:fld>
             <a:endParaRPr lang="en-US" sz="1200" b="0" strike="noStrike" spc="-1">
               <a:latin typeface="Times New Roman"/>
@@ -5334,7 +5335,7 @@
                 </a:solidFill>
                 <a:latin typeface="Segoe UI"/>
               </a:rPr>
-              <a:t>11/20/2019</a:t>
+              <a:t>11/21/2019</a:t>
             </a:fld>
             <a:endParaRPr lang="en-US" sz="1200" b="0" strike="noStrike" spc="-1">
               <a:latin typeface="Times New Roman"/>
@@ -5990,7 +5991,7 @@
                 </a:solidFill>
                 <a:latin typeface="Segoe UI"/>
               </a:rPr>
-              <a:t>11/20/2019</a:t>
+              <a:t>11/21/2019</a:t>
             </a:fld>
             <a:endParaRPr lang="en-US" sz="1200" b="0" strike="noStrike" spc="-1">
               <a:latin typeface="Times New Roman"/>
@@ -6778,7 +6779,7 @@
                 </a:solidFill>
                 <a:latin typeface="Segoe UI"/>
               </a:rPr>
-              <a:t>11/20/2019</a:t>
+              <a:t>11/21/2019</a:t>
             </a:fld>
             <a:endParaRPr lang="en-US" sz="1200" b="0" strike="noStrike" spc="-1">
               <a:latin typeface="Times New Roman"/>
@@ -7227,7 +7228,7 @@
         </p:nvSpPr>
         <p:spPr>
           <a:xfrm>
-            <a:off x="838380" y="1970640"/>
+            <a:off x="914400" y="1991673"/>
             <a:ext cx="10515240" cy="2387160"/>
           </a:xfrm>
           <a:prstGeom prst="rect">
@@ -7248,19 +7249,21 @@
               </a:lnSpc>
             </a:pPr>
             <a:r>
-              <a:rPr lang="en-US" sz="5400">
+              <a:rPr lang="en-US" sz="5400" dirty="0">
                 <a:solidFill>
                   <a:schemeClr val="bg1"/>
                 </a:solidFill>
               </a:rPr>
-              <a:t>FOOD ORDERING SYSTEM</a:t>
+              <a:t>FOOD ORDERING </a:t>
             </a:r>
-            <a:endParaRPr lang="en-US" sz="5400" b="0" strike="noStrike" spc="-1">
-              <a:solidFill>
-                <a:schemeClr val="bg1"/>
-              </a:solidFill>
-              <a:latin typeface="Segoe UI"/>
-            </a:endParaRPr>
+            <a:r>
+              <a:rPr lang="en-US" sz="5400" dirty="0" smtClean="0">
+                <a:solidFill>
+                  <a:schemeClr val="bg1"/>
+                </a:solidFill>
+              </a:rPr>
+              <a:t>SYSTEM</a:t>
+            </a:r>
           </a:p>
         </p:txBody>
       </p:sp>
@@ -7272,8 +7275,8 @@
         </p:nvSpPr>
         <p:spPr>
           <a:xfrm>
-            <a:off x="588425" y="4867422"/>
-            <a:ext cx="6705360" cy="1990578"/>
+            <a:off x="914400" y="5111142"/>
+            <a:ext cx="5303417" cy="1610058"/>
           </a:xfrm>
           <a:prstGeom prst="rect">
             <a:avLst/>
@@ -7285,9 +7288,263 @@
         </p:spPr>
         <p:txBody>
           <a:bodyPr>
-            <a:normAutofit fontScale="55000" lnSpcReduction="20000"/>
+            <a:normAutofit fontScale="62500" lnSpcReduction="20000"/>
           </a:bodyPr>
           <a:lstStyle/>
+          <a:p>
+            <a:pPr>
+              <a:lnSpc>
+                <a:spcPct val="120000"/>
+              </a:lnSpc>
+              <a:spcBef>
+                <a:spcPts val="601"/>
+              </a:spcBef>
+            </a:pPr>
+            <a:r>
+              <a:rPr lang="en-US" sz="2300" b="0" strike="noStrike" spc="-1" dirty="0">
+                <a:solidFill>
+                  <a:srgbClr val="D24726"/>
+                </a:solidFill>
+                <a:latin typeface="Segoe UI Light"/>
+              </a:rPr>
+              <a:t>610557 </a:t>
+            </a:r>
+            <a:r>
+              <a:rPr lang="en-US" sz="2300" b="0" strike="noStrike" spc="-1" dirty="0" err="1">
+                <a:solidFill>
+                  <a:srgbClr val="D24726"/>
+                </a:solidFill>
+                <a:latin typeface="Segoe UI Light"/>
+              </a:rPr>
+              <a:t>Munkhzorig</a:t>
+            </a:r>
+            <a:r>
+              <a:rPr lang="en-US" sz="2300" b="0" strike="noStrike" spc="-1" dirty="0">
+                <a:solidFill>
+                  <a:srgbClr val="D24726"/>
+                </a:solidFill>
+                <a:latin typeface="Segoe UI Light"/>
+              </a:rPr>
+              <a:t> </a:t>
+            </a:r>
+            <a:r>
+              <a:rPr lang="en-US" sz="2300" b="0" strike="noStrike" spc="-1" dirty="0" err="1">
+                <a:solidFill>
+                  <a:srgbClr val="D24726"/>
+                </a:solidFill>
+                <a:latin typeface="Segoe UI Light"/>
+              </a:rPr>
+              <a:t>Bayartosgt</a:t>
+            </a:r>
+            <a:endParaRPr lang="en-US" sz="2300" b="0" strike="noStrike" spc="-1" dirty="0">
+              <a:latin typeface="Arial"/>
+            </a:endParaRPr>
+          </a:p>
+          <a:p>
+            <a:pPr>
+              <a:lnSpc>
+                <a:spcPct val="120000"/>
+              </a:lnSpc>
+              <a:spcBef>
+                <a:spcPts val="601"/>
+              </a:spcBef>
+            </a:pPr>
+            <a:r>
+              <a:rPr lang="en-US" sz="2300" b="0" strike="noStrike" spc="-1" dirty="0">
+                <a:solidFill>
+                  <a:srgbClr val="D24726"/>
+                </a:solidFill>
+                <a:latin typeface="Segoe UI Light"/>
+              </a:rPr>
+              <a:t>610561 </a:t>
+            </a:r>
+            <a:r>
+              <a:rPr lang="en-US" sz="2300" b="0" strike="noStrike" spc="-1" dirty="0" err="1">
+                <a:solidFill>
+                  <a:srgbClr val="D24726"/>
+                </a:solidFill>
+                <a:latin typeface="Segoe UI Light"/>
+              </a:rPr>
+              <a:t>Tuvshintur</a:t>
+            </a:r>
+            <a:r>
+              <a:rPr lang="en-US" sz="2300" b="0" strike="noStrike" spc="-1" dirty="0">
+                <a:solidFill>
+                  <a:srgbClr val="D24726"/>
+                </a:solidFill>
+                <a:latin typeface="Segoe UI Light"/>
+              </a:rPr>
+              <a:t> </a:t>
+            </a:r>
+            <a:r>
+              <a:rPr lang="en-US" sz="2300" b="0" strike="noStrike" spc="-1" dirty="0" err="1">
+                <a:solidFill>
+                  <a:srgbClr val="D24726"/>
+                </a:solidFill>
+                <a:latin typeface="Segoe UI Light"/>
+              </a:rPr>
+              <a:t>Batzorig</a:t>
+            </a:r>
+            <a:endParaRPr lang="en-US" sz="2300" b="0" strike="noStrike" spc="-1" dirty="0">
+              <a:latin typeface="Arial"/>
+            </a:endParaRPr>
+          </a:p>
+          <a:p>
+            <a:pPr>
+              <a:lnSpc>
+                <a:spcPct val="120000"/>
+              </a:lnSpc>
+              <a:spcBef>
+                <a:spcPts val="601"/>
+              </a:spcBef>
+            </a:pPr>
+            <a:r>
+              <a:rPr lang="en-US" sz="2300" b="0" strike="noStrike" spc="-1" dirty="0">
+                <a:solidFill>
+                  <a:srgbClr val="D24726"/>
+                </a:solidFill>
+                <a:latin typeface="Segoe UI Light"/>
+              </a:rPr>
+              <a:t>610567 </a:t>
+            </a:r>
+            <a:r>
+              <a:rPr lang="en-US" sz="2300" b="0" strike="noStrike" spc="-1" dirty="0" err="1">
+                <a:solidFill>
+                  <a:srgbClr val="D24726"/>
+                </a:solidFill>
+                <a:latin typeface="Segoe UI Light"/>
+              </a:rPr>
+              <a:t>Davaaabayar</a:t>
+            </a:r>
+            <a:r>
+              <a:rPr lang="en-US" sz="2300" b="0" strike="noStrike" spc="-1" dirty="0">
+                <a:solidFill>
+                  <a:srgbClr val="D24726"/>
+                </a:solidFill>
+                <a:latin typeface="Segoe UI Light"/>
+              </a:rPr>
+              <a:t> </a:t>
+            </a:r>
+            <a:r>
+              <a:rPr lang="en-US" sz="2300" b="0" strike="noStrike" spc="-1" dirty="0" err="1">
+                <a:solidFill>
+                  <a:srgbClr val="D24726"/>
+                </a:solidFill>
+                <a:latin typeface="Segoe UI Light"/>
+              </a:rPr>
+              <a:t>Battogtokh</a:t>
+            </a:r>
+            <a:endParaRPr lang="en-US" sz="2300" b="0" strike="noStrike" spc="-1" dirty="0">
+              <a:solidFill>
+                <a:srgbClr val="D24726"/>
+              </a:solidFill>
+              <a:latin typeface="Segoe UI Light"/>
+            </a:endParaRPr>
+          </a:p>
+          <a:p>
+            <a:pPr>
+              <a:lnSpc>
+                <a:spcPct val="120000"/>
+              </a:lnSpc>
+              <a:spcBef>
+                <a:spcPts val="601"/>
+              </a:spcBef>
+            </a:pPr>
+            <a:r>
+              <a:rPr lang="en-US" sz="2300" spc="-1" dirty="0">
+                <a:solidFill>
+                  <a:srgbClr val="D24726"/>
+                </a:solidFill>
+                <a:latin typeface="Segoe UI Light"/>
+              </a:rPr>
+              <a:t>610526 </a:t>
+            </a:r>
+            <a:r>
+              <a:rPr lang="en-US" sz="2300" spc="-1" dirty="0" err="1">
+                <a:solidFill>
+                  <a:srgbClr val="D24726"/>
+                </a:solidFill>
+                <a:latin typeface="Segoe UI Light"/>
+              </a:rPr>
+              <a:t>Odbayar</a:t>
+            </a:r>
+            <a:r>
+              <a:rPr lang="en-US" sz="2300" spc="-1" dirty="0">
+                <a:solidFill>
+                  <a:srgbClr val="D24726"/>
+                </a:solidFill>
+                <a:latin typeface="Segoe UI Light"/>
+              </a:rPr>
+              <a:t> </a:t>
+            </a:r>
+            <a:r>
+              <a:rPr lang="en-US" sz="2300" spc="-1" dirty="0" err="1">
+                <a:solidFill>
+                  <a:srgbClr val="D24726"/>
+                </a:solidFill>
+                <a:latin typeface="Segoe UI Light"/>
+              </a:rPr>
+              <a:t>Nanjidjamts</a:t>
+            </a:r>
+            <a:endParaRPr lang="en-US" sz="2300" spc="-1" dirty="0">
+              <a:solidFill>
+                <a:srgbClr val="D24726"/>
+              </a:solidFill>
+              <a:latin typeface="Segoe UI Light"/>
+            </a:endParaRPr>
+          </a:p>
+          <a:p>
+            <a:pPr>
+              <a:lnSpc>
+                <a:spcPct val="120000"/>
+              </a:lnSpc>
+              <a:spcBef>
+                <a:spcPts val="601"/>
+              </a:spcBef>
+            </a:pPr>
+            <a:r>
+              <a:rPr lang="en-US" sz="2300" spc="-1" dirty="0">
+                <a:solidFill>
+                  <a:srgbClr val="D24726"/>
+                </a:solidFill>
+                <a:latin typeface="Segoe UI Light"/>
+              </a:rPr>
+              <a:t>961800 </a:t>
+            </a:r>
+            <a:r>
+              <a:rPr lang="en-US" sz="2300" spc="-1" dirty="0" err="1">
+                <a:solidFill>
+                  <a:srgbClr val="D24726"/>
+                </a:solidFill>
+                <a:latin typeface="Segoe UI Light"/>
+              </a:rPr>
+              <a:t>Manduul</a:t>
+            </a:r>
+            <a:r>
+              <a:rPr lang="en-US" sz="2300" spc="-1" dirty="0">
+                <a:solidFill>
+                  <a:srgbClr val="D24726"/>
+                </a:solidFill>
+                <a:latin typeface="Segoe UI Light"/>
+              </a:rPr>
+              <a:t> </a:t>
+            </a:r>
+            <a:r>
+              <a:rPr lang="en-US" sz="2300" spc="-1" dirty="0" err="1">
+                <a:solidFill>
+                  <a:srgbClr val="D24726"/>
+                </a:solidFill>
+                <a:latin typeface="Segoe UI Light"/>
+              </a:rPr>
+              <a:t>Enkhee</a:t>
+            </a:r>
+            <a:endParaRPr lang="en-US" sz="2300" spc="-1" dirty="0">
+              <a:solidFill>
+                <a:srgbClr val="D24726"/>
+              </a:solidFill>
+              <a:latin typeface="Segoe UI Light"/>
+            </a:endParaRPr>
+          </a:p>
           <a:p>
             <a:pPr>
               <a:lnSpc>
@@ -7297,17 +7554,11 @@
                 <a:spcPts val="601"/>
               </a:spcBef>
             </a:pPr>
-            <a:r>
-              <a:rPr lang="en-US" sz="2800" b="0" strike="noStrike" spc="-1">
-                <a:solidFill>
-                  <a:srgbClr val="D24726"/>
-                </a:solidFill>
-                <a:latin typeface="Segoe UI Light"/>
-              </a:rPr>
-              <a:t>610557 Munkhzorig Bayartosgt</a:t>
-            </a:r>
-            <a:endParaRPr lang="en-US" sz="2800" b="0" strike="noStrike" spc="-1">
-              <a:latin typeface="Arial"/>
+            <a:endParaRPr lang="en-US" sz="2800" b="0" strike="noStrike" spc="-1" dirty="0">
+              <a:solidFill>
+                <a:srgbClr val="D24726"/>
+              </a:solidFill>
+              <a:latin typeface="Segoe UI Light"/>
             </a:endParaRPr>
           </a:p>
           <a:p>
@@ -7319,102 +7570,7 @@
                 <a:spcPts val="601"/>
               </a:spcBef>
             </a:pPr>
-            <a:r>
-              <a:rPr lang="en-US" sz="2800" b="0" strike="noStrike" spc="-1">
-                <a:solidFill>
-                  <a:srgbClr val="D24726"/>
-                </a:solidFill>
-                <a:latin typeface="Segoe UI Light"/>
-              </a:rPr>
-              <a:t>610561 Tuvshintur Batzorig</a:t>
-            </a:r>
-            <a:endParaRPr lang="en-US" sz="2800" b="0" strike="noStrike" spc="-1">
-              <a:latin typeface="Arial"/>
-            </a:endParaRPr>
-          </a:p>
-          <a:p>
-            <a:pPr>
-              <a:lnSpc>
-                <a:spcPct val="150000"/>
-              </a:lnSpc>
-              <a:spcBef>
-                <a:spcPts val="601"/>
-              </a:spcBef>
-            </a:pPr>
-            <a:r>
-              <a:rPr lang="en-US" sz="2800" b="0" strike="noStrike" spc="-1">
-                <a:solidFill>
-                  <a:srgbClr val="D24726"/>
-                </a:solidFill>
-                <a:latin typeface="Segoe UI Light"/>
-              </a:rPr>
-              <a:t>610567 Davaaabayar Battogtokh</a:t>
-            </a:r>
-          </a:p>
-          <a:p>
-            <a:pPr>
-              <a:lnSpc>
-                <a:spcPct val="150000"/>
-              </a:lnSpc>
-              <a:spcBef>
-                <a:spcPts val="601"/>
-              </a:spcBef>
-            </a:pPr>
-            <a:r>
-              <a:rPr lang="en-US" sz="2800" spc="-1">
-                <a:solidFill>
-                  <a:srgbClr val="D24726"/>
-                </a:solidFill>
-                <a:latin typeface="Segoe UI Light"/>
-              </a:rPr>
-              <a:t>610526 Odbayar Nanjidjamts</a:t>
-            </a:r>
-          </a:p>
-          <a:p>
-            <a:pPr>
-              <a:lnSpc>
-                <a:spcPct val="150000"/>
-              </a:lnSpc>
-              <a:spcBef>
-                <a:spcPts val="601"/>
-              </a:spcBef>
-            </a:pPr>
-            <a:r>
-              <a:rPr lang="en-US" sz="2800" spc="-1">
-                <a:solidFill>
-                  <a:srgbClr val="D24726"/>
-                </a:solidFill>
-                <a:latin typeface="Segoe UI Light"/>
-              </a:rPr>
-              <a:t>961800 Manduul Enkhee</a:t>
-            </a:r>
-          </a:p>
-          <a:p>
-            <a:pPr>
-              <a:lnSpc>
-                <a:spcPct val="150000"/>
-              </a:lnSpc>
-              <a:spcBef>
-                <a:spcPts val="601"/>
-              </a:spcBef>
-            </a:pPr>
-            <a:endParaRPr lang="en-US" sz="2800" b="0" strike="noStrike" spc="-1">
-              <a:solidFill>
-                <a:srgbClr val="D24726"/>
-              </a:solidFill>
-              <a:latin typeface="Segoe UI Light"/>
-            </a:endParaRPr>
-          </a:p>
-          <a:p>
-            <a:pPr>
-              <a:lnSpc>
-                <a:spcPct val="150000"/>
-              </a:lnSpc>
-              <a:spcBef>
-                <a:spcPts val="601"/>
-              </a:spcBef>
-            </a:pPr>
-            <a:endParaRPr lang="en-US" sz="2800" b="0" strike="noStrike" spc="-1">
+            <a:endParaRPr lang="en-US" sz="2800" b="0" strike="noStrike" spc="-1" dirty="0">
               <a:latin typeface="Arial"/>
             </a:endParaRPr>
           </a:p>
@@ -7428,7 +7584,7 @@
         </p:nvSpPr>
         <p:spPr>
           <a:xfrm>
-            <a:off x="8077320" y="6356520"/>
+            <a:off x="8051441" y="6357743"/>
             <a:ext cx="3276360" cy="364680"/>
           </a:xfrm>
           <a:prstGeom prst="rect">
@@ -7564,7 +7720,7 @@
               </a:lnSpc>
             </a:pPr>
             <a:r>
-              <a:rPr lang="en-US" sz="1200" b="0" strike="noStrike" spc="-1">
+              <a:rPr lang="en-US" sz="1200" b="0" strike="noStrike" spc="-1" dirty="0">
                 <a:solidFill>
                   <a:srgbClr val="D24726"/>
                 </a:solidFill>
@@ -7572,7 +7728,7 @@
               </a:rPr>
               <a:t>Maharishi University of Management</a:t>
             </a:r>
-            <a:endParaRPr lang="en-US" sz="1200" b="0" strike="noStrike" spc="-1">
+            <a:endParaRPr lang="en-US" sz="1200" b="0" strike="noStrike" spc="-1" dirty="0">
               <a:latin typeface="Arial"/>
             </a:endParaRPr>
           </a:p>
@@ -7619,6 +7775,14 @@
 <file path=ppt/slides/slide2.xml><?xml version="1.0" encoding="utf-8"?>
 <p:sld xmlns:a="http://schemas.openxmlformats.org/drawingml/2006/main" xmlns:r="http://schemas.openxmlformats.org/officeDocument/2006/relationships" xmlns:p="http://schemas.openxmlformats.org/presentationml/2006/main">
   <p:cSld>
+    <p:bg>
+      <p:bgPr>
+        <a:solidFill>
+          <a:srgbClr val="FFFFFF"/>
+        </a:solidFill>
+        <a:effectLst/>
+      </p:bgPr>
+    </p:bg>
     <p:spTree>
       <p:nvGrpSpPr>
         <p:cNvPr id="1" name=""/>
@@ -7635,7 +7799,124 @@
       </p:grpSpPr>
       <p:sp>
         <p:nvSpPr>
-          <p:cNvPr id="139" name="CustomShape 2"/>
+          <p:cNvPr id="6" name="Rectangle 5"/>
+          <p:cNvSpPr/>
+          <p:nvPr/>
+        </p:nvSpPr>
+        <p:spPr>
+          <a:xfrm>
+            <a:off x="470860" y="1221435"/>
+            <a:ext cx="5358440" cy="2800767"/>
+          </a:xfrm>
+          <a:prstGeom prst="rect">
+            <a:avLst/>
+          </a:prstGeom>
+        </p:spPr>
+        <p:txBody>
+          <a:bodyPr wrap="square">
+            <a:spAutoFit/>
+          </a:bodyPr>
+          <a:lstStyle/>
+          <a:p>
+            <a:pPr>
+              <a:lnSpc>
+                <a:spcPct val="100000"/>
+              </a:lnSpc>
+            </a:pPr>
+            <a:r>
+              <a:rPr lang="en-US" sz="3200" spc="-1" dirty="0" smtClean="0">
+                <a:solidFill>
+                  <a:schemeClr val="tx1">
+                    <a:lumMod val="85000"/>
+                    <a:lumOff val="15000"/>
+                  </a:schemeClr>
+                </a:solidFill>
+                <a:latin typeface="Segoe UI"/>
+              </a:rPr>
+              <a:t>Food Ordering System for people who</a:t>
+            </a:r>
+          </a:p>
+          <a:p>
+            <a:pPr marL="457200" indent="-457200">
+              <a:lnSpc>
+                <a:spcPct val="100000"/>
+              </a:lnSpc>
+              <a:buFont typeface="Wingdings" panose="05000000000000000000" pitchFamily="2" charset="2"/>
+              <a:buChar char="Ø"/>
+            </a:pPr>
+            <a:r>
+              <a:rPr lang="en-US" sz="2800" spc="-1" dirty="0" smtClean="0">
+                <a:solidFill>
+                  <a:schemeClr val="tx1">
+                    <a:lumMod val="85000"/>
+                    <a:lumOff val="15000"/>
+                  </a:schemeClr>
+                </a:solidFill>
+                <a:latin typeface="Segoe UI"/>
+              </a:rPr>
+              <a:t>Loves tasty food</a:t>
+            </a:r>
+          </a:p>
+          <a:p>
+            <a:pPr marL="457200" indent="-457200">
+              <a:lnSpc>
+                <a:spcPct val="100000"/>
+              </a:lnSpc>
+              <a:buFont typeface="Wingdings" panose="05000000000000000000" pitchFamily="2" charset="2"/>
+              <a:buChar char="Ø"/>
+            </a:pPr>
+            <a:r>
+              <a:rPr lang="en-US" sz="2800" spc="-1" dirty="0" smtClean="0">
+                <a:solidFill>
+                  <a:schemeClr val="tx1">
+                    <a:lumMod val="85000"/>
+                    <a:lumOff val="15000"/>
+                  </a:schemeClr>
+                </a:solidFill>
+                <a:latin typeface="Segoe UI"/>
+              </a:rPr>
+              <a:t>Loves quality food</a:t>
+            </a:r>
+          </a:p>
+          <a:p>
+            <a:pPr marL="457200" indent="-457200">
+              <a:lnSpc>
+                <a:spcPct val="100000"/>
+              </a:lnSpc>
+              <a:buFont typeface="Wingdings" panose="05000000000000000000" pitchFamily="2" charset="2"/>
+              <a:buChar char="Ø"/>
+            </a:pPr>
+            <a:r>
+              <a:rPr lang="en-US" sz="2800" spc="-1" dirty="0" smtClean="0">
+                <a:solidFill>
+                  <a:schemeClr val="tx1">
+                    <a:lumMod val="85000"/>
+                    <a:lumOff val="15000"/>
+                  </a:schemeClr>
+                </a:solidFill>
+                <a:latin typeface="Segoe UI"/>
+              </a:rPr>
+              <a:t>Loves healthy food</a:t>
+            </a:r>
+          </a:p>
+          <a:p>
+            <a:pPr>
+              <a:lnSpc>
+                <a:spcPct val="100000"/>
+              </a:lnSpc>
+            </a:pPr>
+            <a:r>
+              <a:rPr lang="en-US" sz="2800" b="1" spc="-1" dirty="0" smtClean="0">
+                <a:latin typeface="Segoe UI"/>
+              </a:rPr>
+              <a:t> </a:t>
+            </a:r>
+          </a:p>
+        </p:txBody>
+      </p:sp>
+      <p:sp>
+        <p:nvSpPr>
+          <p:cNvPr id="7" name="CustomShape 2"/>
           <p:cNvSpPr/>
           <p:nvPr/>
         </p:nvSpPr>
@@ -7692,857 +7973,182 @@
           </a:p>
         </p:txBody>
       </p:sp>
-      <p:sp>
-        <p:nvSpPr>
-          <p:cNvPr id="142" name="CustomShape 4"/>
+      <p:pic>
+        <p:nvPicPr>
+          <p:cNvPr id="8" name="Picture 7"/>
+          <p:cNvPicPr>
+            <a:picLocks noChangeAspect="1"/>
+          </p:cNvPicPr>
+          <p:nvPr/>
+        </p:nvPicPr>
+        <p:blipFill>
+          <a:blip r:embed="rId2"/>
+          <a:stretch>
+            <a:fillRect/>
+          </a:stretch>
+        </p:blipFill>
+        <p:spPr>
+          <a:xfrm>
+            <a:off x="6489459" y="1835696"/>
+            <a:ext cx="5702300" cy="3138367"/>
+          </a:xfrm>
+          <a:prstGeom prst="rect">
+            <a:avLst/>
+          </a:prstGeom>
+        </p:spPr>
+      </p:pic>
+      <p:sp>
+        <p:nvSpPr>
+          <p:cNvPr id="9" name="Rectangle 8"/>
           <p:cNvSpPr/>
           <p:nvPr/>
         </p:nvSpPr>
         <p:spPr>
           <a:xfrm>
-            <a:off x="789833" y="1550963"/>
-            <a:ext cx="10330737" cy="4427806"/>
-          </a:xfrm>
-          <a:prstGeom prst="rect">
-            <a:avLst/>
-          </a:prstGeom>
-          <a:noFill/>
-          <a:ln>
-            <a:noFill/>
-          </a:ln>
-        </p:spPr>
-        <p:style>
-          <a:lnRef idx="0">
-            <a:scrgbClr r="0" g="0" b="0"/>
-          </a:lnRef>
-          <a:fillRef idx="0">
-            <a:scrgbClr r="0" g="0" b="0"/>
-          </a:fillRef>
-          <a:effectRef idx="0">
-            <a:scrgbClr r="0" g="0" b="0"/>
-          </a:effectRef>
-          <a:fontRef idx="minor"/>
-        </p:style>
-        <p:txBody>
-          <a:bodyPr lIns="90000" tIns="45000" rIns="90000" bIns="45000"/>
+            <a:off x="556585" y="3912234"/>
+            <a:ext cx="7415841" cy="2123658"/>
+          </a:xfrm>
+          <a:prstGeom prst="rect">
+            <a:avLst/>
+          </a:prstGeom>
+        </p:spPr>
+        <p:txBody>
+          <a:bodyPr wrap="square">
+            <a:spAutoFit/>
+          </a:bodyPr>
           <a:lstStyle/>
           <a:p>
             <a:r>
-              <a:rPr lang="en-US" sz="3200" dirty="0"/>
-              <a:t>Our project is a food ordering web app for people looking for healthy meal options. </a:t>
-            </a:r>
-          </a:p>
-          <a:p>
-            <a:endParaRPr lang="en-US" sz="3200" dirty="0"/>
-          </a:p>
-          <a:p>
-            <a:r>
-              <a:rPr lang="en-US" sz="2800" b="1" dirty="0"/>
+              <a:rPr lang="en-US" sz="3200" dirty="0">
+                <a:solidFill>
+                  <a:schemeClr val="tx1">
+                    <a:lumMod val="85000"/>
+                    <a:lumOff val="15000"/>
+                  </a:schemeClr>
+                </a:solidFill>
+                <a:latin typeface="Segoe UI" panose="020B0502040204020203" pitchFamily="34" charset="0"/>
+                <a:cs typeface="Segoe UI" panose="020B0502040204020203" pitchFamily="34" charset="0"/>
+              </a:rPr>
               <a:t>Features</a:t>
             </a:r>
           </a:p>
           <a:p>
             <a:pPr marL="457200" indent="-457200">
-              <a:buFont typeface="Arial" panose="020B0604020202020204" pitchFamily="34" charset="0"/>
-              <a:buChar char="•"/>
+              <a:buFont typeface="Wingdings" panose="05000000000000000000" pitchFamily="2" charset="2"/>
+              <a:buChar char="Ø"/>
             </a:pPr>
             <a:r>
-              <a:rPr lang="en-US" sz="2800" dirty="0"/>
+              <a:rPr lang="en-US" sz="2000" dirty="0">
+                <a:solidFill>
+                  <a:schemeClr val="tx1">
+                    <a:lumMod val="85000"/>
+                    <a:lumOff val="15000"/>
+                  </a:schemeClr>
+                </a:solidFill>
+                <a:latin typeface="Segoe UI" panose="020B0502040204020203" pitchFamily="34" charset="0"/>
+                <a:cs typeface="Segoe UI" panose="020B0502040204020203" pitchFamily="34" charset="0"/>
+              </a:rPr>
               <a:t>Foods has meal type and calories information</a:t>
             </a:r>
           </a:p>
           <a:p>
             <a:pPr marL="457200" indent="-457200">
-              <a:buFont typeface="Arial" panose="020B0604020202020204" pitchFamily="34" charset="0"/>
-              <a:buChar char="•"/>
+              <a:buFont typeface="Wingdings" panose="05000000000000000000" pitchFamily="2" charset="2"/>
+              <a:buChar char="Ø"/>
             </a:pPr>
             <a:r>
-              <a:rPr lang="en-US" sz="2800" dirty="0"/>
+              <a:rPr lang="en-US" sz="2000" dirty="0">
+                <a:solidFill>
+                  <a:schemeClr val="tx1">
+                    <a:lumMod val="85000"/>
+                    <a:lumOff val="15000"/>
+                  </a:schemeClr>
+                </a:solidFill>
+                <a:latin typeface="Segoe UI" panose="020B0502040204020203" pitchFamily="34" charset="0"/>
+                <a:cs typeface="Segoe UI" panose="020B0502040204020203" pitchFamily="34" charset="0"/>
+              </a:rPr>
               <a:t>Filter foods based on meal preference</a:t>
             </a:r>
           </a:p>
           <a:p>
             <a:pPr marL="457200" indent="-457200">
-              <a:buFont typeface="Arial" panose="020B0604020202020204" pitchFamily="34" charset="0"/>
-              <a:buChar char="•"/>
+              <a:buFont typeface="Wingdings" panose="05000000000000000000" pitchFamily="2" charset="2"/>
+              <a:buChar char="Ø"/>
             </a:pPr>
             <a:r>
-              <a:rPr lang="en-US" sz="2800" dirty="0"/>
+              <a:rPr lang="en-US" sz="2000" dirty="0">
+                <a:solidFill>
+                  <a:schemeClr val="tx1">
+                    <a:lumMod val="85000"/>
+                    <a:lumOff val="15000"/>
+                  </a:schemeClr>
+                </a:solidFill>
+                <a:latin typeface="Segoe UI" panose="020B0502040204020203" pitchFamily="34" charset="0"/>
+                <a:cs typeface="Segoe UI" panose="020B0502040204020203" pitchFamily="34" charset="0"/>
+              </a:rPr>
               <a:t>Place order</a:t>
             </a:r>
           </a:p>
           <a:p>
             <a:pPr marL="457200" indent="-457200">
-              <a:buFont typeface="Arial" panose="020B0604020202020204" pitchFamily="34" charset="0"/>
-              <a:buChar char="•"/>
+              <a:buFont typeface="Wingdings" panose="05000000000000000000" pitchFamily="2" charset="2"/>
+              <a:buChar char="Ø"/>
             </a:pPr>
             <a:r>
-              <a:rPr lang="en-US" sz="2800" dirty="0"/>
+              <a:rPr lang="en-US" sz="2000" dirty="0">
+                <a:solidFill>
+                  <a:schemeClr val="tx1">
+                    <a:lumMod val="85000"/>
+                    <a:lumOff val="15000"/>
+                  </a:schemeClr>
+                </a:solidFill>
+                <a:latin typeface="Segoe UI" panose="020B0502040204020203" pitchFamily="34" charset="0"/>
+                <a:cs typeface="Segoe UI" panose="020B0502040204020203" pitchFamily="34" charset="0"/>
+              </a:rPr>
               <a:t>Two types of user role</a:t>
             </a:r>
           </a:p>
           <a:p>
             <a:pPr marL="457200" indent="-457200">
-              <a:buFont typeface="Arial" panose="020B0604020202020204" pitchFamily="34" charset="0"/>
-              <a:buChar char="•"/>
+              <a:buFont typeface="Wingdings" panose="05000000000000000000" pitchFamily="2" charset="2"/>
+              <a:buChar char="Ø"/>
             </a:pPr>
             <a:r>
-              <a:rPr lang="en-US" sz="2800" dirty="0"/>
+              <a:rPr lang="en-US" sz="2000" dirty="0">
+                <a:solidFill>
+                  <a:schemeClr val="tx1">
+                    <a:lumMod val="85000"/>
+                    <a:lumOff val="15000"/>
+                  </a:schemeClr>
+                </a:solidFill>
+                <a:latin typeface="Segoe UI" panose="020B0502040204020203" pitchFamily="34" charset="0"/>
+                <a:cs typeface="Segoe UI" panose="020B0502040204020203" pitchFamily="34" charset="0"/>
+              </a:rPr>
               <a:t>Admin user which will manage orders and create menus. </a:t>
             </a:r>
+            <a:endParaRPr lang="en-US" sz="2000" dirty="0">
+              <a:solidFill>
+                <a:schemeClr val="tx1">
+                  <a:lumMod val="85000"/>
+                  <a:lumOff val="15000"/>
+                </a:schemeClr>
+              </a:solidFill>
+              <a:latin typeface="Segoe UI" panose="020B0502040204020203" pitchFamily="34" charset="0"/>
+              <a:cs typeface="Segoe UI" panose="020B0502040204020203" pitchFamily="34" charset="0"/>
+            </a:endParaRPr>
           </a:p>
         </p:txBody>
       </p:sp>
     </p:spTree>
+    <p:extLst>
+      <p:ext uri="{BB962C8B-B14F-4D97-AF65-F5344CB8AC3E}">
+        <p14:creationId xmlns:p14="http://schemas.microsoft.com/office/powerpoint/2010/main" val="277074398"/>
+      </p:ext>
+    </p:extLst>
   </p:cSld>
   <p:clrMapOvr>
     <a:masterClrMapping/>
   </p:clrMapOvr>
-  <p:timing>
-    <p:tnLst>
-      <p:par>
-        <p:cTn id="1" dur="indefinite" restart="never" nodeType="tmRoot">
-          <p:childTnLst>
-            <p:seq>
-              <p:cTn id="2" dur="indefinite" nodeType="mainSeq">
-                <p:childTnLst>
-                  <p:par>
-                    <p:cTn id="3" fill="hold">
-                      <p:stCondLst>
-                        <p:cond delay="indefinite"/>
-                      </p:stCondLst>
-                      <p:childTnLst>
-                        <p:par>
-                          <p:cTn id="4" fill="hold">
-                            <p:stCondLst>
-                              <p:cond delay="0"/>
-                            </p:stCondLst>
-                            <p:childTnLst>
-                              <p:par>
-                                <p:cTn id="5" presetID="42" presetClass="entr" presetSubtype="0" fill="hold" nodeType="clickEffect">
-                                  <p:stCondLst>
-                                    <p:cond delay="0"/>
-                                  </p:stCondLst>
-                                  <p:childTnLst>
-                                    <p:set>
-                                      <p:cBhvr>
-                                        <p:cTn id="6" dur="1" fill="hold">
-                                          <p:stCondLst>
-                                            <p:cond delay="0"/>
-                                          </p:stCondLst>
-                                        </p:cTn>
-                                        <p:tgtEl>
-                                          <p:spTgt spid="142">
-                                            <p:txEl>
-                                              <p:pRg st="0" end="0"/>
-                                            </p:txEl>
-                                          </p:spTgt>
-                                        </p:tgtEl>
-                                        <p:attrNameLst>
-                                          <p:attrName>style.visibility</p:attrName>
-                                        </p:attrNameLst>
-                                      </p:cBhvr>
-                                      <p:to>
-                                        <p:strVal val="visible"/>
-                                      </p:to>
-                                    </p:set>
-                                    <p:animEffect transition="in" filter="fade">
-                                      <p:cBhvr>
-                                        <p:cTn id="7" dur="1000"/>
-                                        <p:tgtEl>
-                                          <p:spTgt spid="142">
-                                            <p:txEl>
-                                              <p:pRg st="0" end="0"/>
-                                            </p:txEl>
-                                          </p:spTgt>
-                                        </p:tgtEl>
-                                      </p:cBhvr>
-                                    </p:animEffect>
-                                    <p:anim calcmode="lin" valueType="num">
-                                      <p:cBhvr>
-                                        <p:cTn id="8" dur="1000" fill="hold"/>
-                                        <p:tgtEl>
-                                          <p:spTgt spid="142">
-                                            <p:txEl>
-                                              <p:pRg st="0" end="0"/>
-                                            </p:txEl>
-                                          </p:spTgt>
-                                        </p:tgtEl>
-                                        <p:attrNameLst>
-                                          <p:attrName>ppt_x</p:attrName>
-                                        </p:attrNameLst>
-                                      </p:cBhvr>
-                                      <p:tavLst>
-                                        <p:tav tm="0">
-                                          <p:val>
-                                            <p:strVal val="#ppt_x"/>
-                                          </p:val>
-                                        </p:tav>
-                                        <p:tav tm="100000">
-                                          <p:val>
-                                            <p:strVal val="#ppt_x"/>
-                                          </p:val>
-                                        </p:tav>
-                                      </p:tavLst>
-                                    </p:anim>
-                                    <p:anim calcmode="lin" valueType="num">
-                                      <p:cBhvr>
-                                        <p:cTn id="9" dur="1000" fill="hold"/>
-                                        <p:tgtEl>
-                                          <p:spTgt spid="142">
-                                            <p:txEl>
-                                              <p:pRg st="0" end="0"/>
-                                            </p:txEl>
-                                          </p:spTgt>
-                                        </p:tgtEl>
-                                        <p:attrNameLst>
-                                          <p:attrName>ppt_y</p:attrName>
-                                        </p:attrNameLst>
-                                      </p:cBhvr>
-                                      <p:tavLst>
-                                        <p:tav tm="0">
-                                          <p:val>
-                                            <p:strVal val="#ppt_y+.1"/>
-                                          </p:val>
-                                        </p:tav>
-                                        <p:tav tm="100000">
-                                          <p:val>
-                                            <p:strVal val="#ppt_y"/>
-                                          </p:val>
-                                        </p:tav>
-                                      </p:tavLst>
-                                    </p:anim>
-                                  </p:childTnLst>
-                                </p:cTn>
-                              </p:par>
-                            </p:childTnLst>
-                          </p:cTn>
-                        </p:par>
-                      </p:childTnLst>
-                    </p:cTn>
-                  </p:par>
-                  <p:par>
-                    <p:cTn id="10" fill="hold">
-                      <p:stCondLst>
-                        <p:cond delay="indefinite"/>
-                      </p:stCondLst>
-                      <p:childTnLst>
-                        <p:par>
-                          <p:cTn id="11" fill="hold">
-                            <p:stCondLst>
-                              <p:cond delay="0"/>
-                            </p:stCondLst>
-                            <p:childTnLst>
-                              <p:par>
-                                <p:cTn id="12" presetID="42" presetClass="entr" presetSubtype="0" fill="hold" nodeType="clickEffect">
-                                  <p:stCondLst>
-                                    <p:cond delay="0"/>
-                                  </p:stCondLst>
-                                  <p:childTnLst>
-                                    <p:set>
-                                      <p:cBhvr>
-                                        <p:cTn id="13" dur="1" fill="hold">
-                                          <p:stCondLst>
-                                            <p:cond delay="0"/>
-                                          </p:stCondLst>
-                                        </p:cTn>
-                                        <p:tgtEl>
-                                          <p:spTgt spid="142">
-                                            <p:txEl>
-                                              <p:pRg st="2" end="2"/>
-                                            </p:txEl>
-                                          </p:spTgt>
-                                        </p:tgtEl>
-                                        <p:attrNameLst>
-                                          <p:attrName>style.visibility</p:attrName>
-                                        </p:attrNameLst>
-                                      </p:cBhvr>
-                                      <p:to>
-                                        <p:strVal val="visible"/>
-                                      </p:to>
-                                    </p:set>
-                                    <p:animEffect transition="in" filter="fade">
-                                      <p:cBhvr>
-                                        <p:cTn id="14" dur="1000"/>
-                                        <p:tgtEl>
-                                          <p:spTgt spid="142">
-                                            <p:txEl>
-                                              <p:pRg st="2" end="2"/>
-                                            </p:txEl>
-                                          </p:spTgt>
-                                        </p:tgtEl>
-                                      </p:cBhvr>
-                                    </p:animEffect>
-                                    <p:anim calcmode="lin" valueType="num">
-                                      <p:cBhvr>
-                                        <p:cTn id="15" dur="1000" fill="hold"/>
-                                        <p:tgtEl>
-                                          <p:spTgt spid="142">
-                                            <p:txEl>
-                                              <p:pRg st="2" end="2"/>
-                                            </p:txEl>
-                                          </p:spTgt>
-                                        </p:tgtEl>
-                                        <p:attrNameLst>
-                                          <p:attrName>ppt_x</p:attrName>
-                                        </p:attrNameLst>
-                                      </p:cBhvr>
-                                      <p:tavLst>
-                                        <p:tav tm="0">
-                                          <p:val>
-                                            <p:strVal val="#ppt_x"/>
-                                          </p:val>
-                                        </p:tav>
-                                        <p:tav tm="100000">
-                                          <p:val>
-                                            <p:strVal val="#ppt_x"/>
-                                          </p:val>
-                                        </p:tav>
-                                      </p:tavLst>
-                                    </p:anim>
-                                    <p:anim calcmode="lin" valueType="num">
-                                      <p:cBhvr>
-                                        <p:cTn id="16" dur="1000" fill="hold"/>
-                                        <p:tgtEl>
-                                          <p:spTgt spid="142">
-                                            <p:txEl>
-                                              <p:pRg st="2" end="2"/>
-                                            </p:txEl>
-                                          </p:spTgt>
-                                        </p:tgtEl>
-                                        <p:attrNameLst>
-                                          <p:attrName>ppt_y</p:attrName>
-                                        </p:attrNameLst>
-                                      </p:cBhvr>
-                                      <p:tavLst>
-                                        <p:tav tm="0">
-                                          <p:val>
-                                            <p:strVal val="#ppt_y+.1"/>
-                                          </p:val>
-                                        </p:tav>
-                                        <p:tav tm="100000">
-                                          <p:val>
-                                            <p:strVal val="#ppt_y"/>
-                                          </p:val>
-                                        </p:tav>
-                                      </p:tavLst>
-                                    </p:anim>
-                                  </p:childTnLst>
-                                </p:cTn>
-                              </p:par>
-                              <p:par>
-                                <p:cTn id="17" presetID="42" presetClass="entr" presetSubtype="0" fill="hold" nodeType="withEffect">
-                                  <p:stCondLst>
-                                    <p:cond delay="0"/>
-                                  </p:stCondLst>
-                                  <p:childTnLst>
-                                    <p:set>
-                                      <p:cBhvr>
-                                        <p:cTn id="18" dur="1" fill="hold">
-                                          <p:stCondLst>
-                                            <p:cond delay="0"/>
-                                          </p:stCondLst>
-                                        </p:cTn>
-                                        <p:tgtEl>
-                                          <p:spTgt spid="142">
-                                            <p:txEl>
-                                              <p:pRg st="3" end="3"/>
-                                            </p:txEl>
-                                          </p:spTgt>
-                                        </p:tgtEl>
-                                        <p:attrNameLst>
-                                          <p:attrName>style.visibility</p:attrName>
-                                        </p:attrNameLst>
-                                      </p:cBhvr>
-                                      <p:to>
-                                        <p:strVal val="visible"/>
-                                      </p:to>
-                                    </p:set>
-                                    <p:animEffect transition="in" filter="fade">
-                                      <p:cBhvr>
-                                        <p:cTn id="19" dur="1000"/>
-                                        <p:tgtEl>
-                                          <p:spTgt spid="142">
-                                            <p:txEl>
-                                              <p:pRg st="3" end="3"/>
-                                            </p:txEl>
-                                          </p:spTgt>
-                                        </p:tgtEl>
-                                      </p:cBhvr>
-                                    </p:animEffect>
-                                    <p:anim calcmode="lin" valueType="num">
-                                      <p:cBhvr>
-                                        <p:cTn id="20" dur="1000" fill="hold"/>
-                                        <p:tgtEl>
-                                          <p:spTgt spid="142">
-                                            <p:txEl>
-                                              <p:pRg st="3" end="3"/>
-                                            </p:txEl>
-                                          </p:spTgt>
-                                        </p:tgtEl>
-                                        <p:attrNameLst>
-                                          <p:attrName>ppt_x</p:attrName>
-                                        </p:attrNameLst>
-                                      </p:cBhvr>
-                                      <p:tavLst>
-                                        <p:tav tm="0">
-                                          <p:val>
-                                            <p:strVal val="#ppt_x"/>
-                                          </p:val>
-                                        </p:tav>
-                                        <p:tav tm="100000">
-                                          <p:val>
-                                            <p:strVal val="#ppt_x"/>
-                                          </p:val>
-                                        </p:tav>
-                                      </p:tavLst>
-                                    </p:anim>
-                                    <p:anim calcmode="lin" valueType="num">
-                                      <p:cBhvr>
-                                        <p:cTn id="21" dur="1000" fill="hold"/>
-                                        <p:tgtEl>
-                                          <p:spTgt spid="142">
-                                            <p:txEl>
-                                              <p:pRg st="3" end="3"/>
-                                            </p:txEl>
-                                          </p:spTgt>
-                                        </p:tgtEl>
-                                        <p:attrNameLst>
-                                          <p:attrName>ppt_y</p:attrName>
-                                        </p:attrNameLst>
-                                      </p:cBhvr>
-                                      <p:tavLst>
-                                        <p:tav tm="0">
-                                          <p:val>
-                                            <p:strVal val="#ppt_y+.1"/>
-                                          </p:val>
-                                        </p:tav>
-                                        <p:tav tm="100000">
-                                          <p:val>
-                                            <p:strVal val="#ppt_y"/>
-                                          </p:val>
-                                        </p:tav>
-                                      </p:tavLst>
-                                    </p:anim>
-                                  </p:childTnLst>
-                                </p:cTn>
-                              </p:par>
-                              <p:par>
-                                <p:cTn id="22" presetID="42" presetClass="entr" presetSubtype="0" fill="hold" nodeType="withEffect">
-                                  <p:stCondLst>
-                                    <p:cond delay="0"/>
-                                  </p:stCondLst>
-                                  <p:childTnLst>
-                                    <p:set>
-                                      <p:cBhvr>
-                                        <p:cTn id="23" dur="1" fill="hold">
-                                          <p:stCondLst>
-                                            <p:cond delay="0"/>
-                                          </p:stCondLst>
-                                        </p:cTn>
-                                        <p:tgtEl>
-                                          <p:spTgt spid="142">
-                                            <p:txEl>
-                                              <p:pRg st="4" end="4"/>
-                                            </p:txEl>
-                                          </p:spTgt>
-                                        </p:tgtEl>
-                                        <p:attrNameLst>
-                                          <p:attrName>style.visibility</p:attrName>
-                                        </p:attrNameLst>
-                                      </p:cBhvr>
-                                      <p:to>
-                                        <p:strVal val="visible"/>
-                                      </p:to>
-                                    </p:set>
-                                    <p:animEffect transition="in" filter="fade">
-                                      <p:cBhvr>
-                                        <p:cTn id="24" dur="1000"/>
-                                        <p:tgtEl>
-                                          <p:spTgt spid="142">
-                                            <p:txEl>
-                                              <p:pRg st="4" end="4"/>
-                                            </p:txEl>
-                                          </p:spTgt>
-                                        </p:tgtEl>
-                                      </p:cBhvr>
-                                    </p:animEffect>
-                                    <p:anim calcmode="lin" valueType="num">
-                                      <p:cBhvr>
-                                        <p:cTn id="25" dur="1000" fill="hold"/>
-                                        <p:tgtEl>
-                                          <p:spTgt spid="142">
-                                            <p:txEl>
-                                              <p:pRg st="4" end="4"/>
-                                            </p:txEl>
-                                          </p:spTgt>
-                                        </p:tgtEl>
-                                        <p:attrNameLst>
-                                          <p:attrName>ppt_x</p:attrName>
-                                        </p:attrNameLst>
-                                      </p:cBhvr>
-                                      <p:tavLst>
-                                        <p:tav tm="0">
-                                          <p:val>
-                                            <p:strVal val="#ppt_x"/>
-                                          </p:val>
-                                        </p:tav>
-                                        <p:tav tm="100000">
-                                          <p:val>
-                                            <p:strVal val="#ppt_x"/>
-                                          </p:val>
-                                        </p:tav>
-                                      </p:tavLst>
-                                    </p:anim>
-                                    <p:anim calcmode="lin" valueType="num">
-                                      <p:cBhvr>
-                                        <p:cTn id="26" dur="1000" fill="hold"/>
-                                        <p:tgtEl>
-                                          <p:spTgt spid="142">
-                                            <p:txEl>
-                                              <p:pRg st="4" end="4"/>
-                                            </p:txEl>
-                                          </p:spTgt>
-                                        </p:tgtEl>
-                                        <p:attrNameLst>
-                                          <p:attrName>ppt_y</p:attrName>
-                                        </p:attrNameLst>
-                                      </p:cBhvr>
-                                      <p:tavLst>
-                                        <p:tav tm="0">
-                                          <p:val>
-                                            <p:strVal val="#ppt_y+.1"/>
-                                          </p:val>
-                                        </p:tav>
-                                        <p:tav tm="100000">
-                                          <p:val>
-                                            <p:strVal val="#ppt_y"/>
-                                          </p:val>
-                                        </p:tav>
-                                      </p:tavLst>
-                                    </p:anim>
-                                  </p:childTnLst>
-                                </p:cTn>
-                              </p:par>
-                              <p:par>
-                                <p:cTn id="27" presetID="42" presetClass="entr" presetSubtype="0" fill="hold" nodeType="withEffect">
-                                  <p:stCondLst>
-                                    <p:cond delay="0"/>
-                                  </p:stCondLst>
-                                  <p:childTnLst>
-                                    <p:set>
-                                      <p:cBhvr>
-                                        <p:cTn id="28" dur="1" fill="hold">
-                                          <p:stCondLst>
-                                            <p:cond delay="0"/>
-                                          </p:stCondLst>
-                                        </p:cTn>
-                                        <p:tgtEl>
-                                          <p:spTgt spid="142">
-                                            <p:txEl>
-                                              <p:pRg st="5" end="5"/>
-                                            </p:txEl>
-                                          </p:spTgt>
-                                        </p:tgtEl>
-                                        <p:attrNameLst>
-                                          <p:attrName>style.visibility</p:attrName>
-                                        </p:attrNameLst>
-                                      </p:cBhvr>
-                                      <p:to>
-                                        <p:strVal val="visible"/>
-                                      </p:to>
-                                    </p:set>
-                                    <p:animEffect transition="in" filter="fade">
-                                      <p:cBhvr>
-                                        <p:cTn id="29" dur="1000"/>
-                                        <p:tgtEl>
-                                          <p:spTgt spid="142">
-                                            <p:txEl>
-                                              <p:pRg st="5" end="5"/>
-                                            </p:txEl>
-                                          </p:spTgt>
-                                        </p:tgtEl>
-                                      </p:cBhvr>
-                                    </p:animEffect>
-                                    <p:anim calcmode="lin" valueType="num">
-                                      <p:cBhvr>
-                                        <p:cTn id="30" dur="1000" fill="hold"/>
-                                        <p:tgtEl>
-                                          <p:spTgt spid="142">
-                                            <p:txEl>
-                                              <p:pRg st="5" end="5"/>
-                                            </p:txEl>
-                                          </p:spTgt>
-                                        </p:tgtEl>
-                                        <p:attrNameLst>
-                                          <p:attrName>ppt_x</p:attrName>
-                                        </p:attrNameLst>
-                                      </p:cBhvr>
-                                      <p:tavLst>
-                                        <p:tav tm="0">
-                                          <p:val>
-                                            <p:strVal val="#ppt_x"/>
-                                          </p:val>
-                                        </p:tav>
-                                        <p:tav tm="100000">
-                                          <p:val>
-                                            <p:strVal val="#ppt_x"/>
-                                          </p:val>
-                                        </p:tav>
-                                      </p:tavLst>
-                                    </p:anim>
-                                    <p:anim calcmode="lin" valueType="num">
-                                      <p:cBhvr>
-                                        <p:cTn id="31" dur="1000" fill="hold"/>
-                                        <p:tgtEl>
-                                          <p:spTgt spid="142">
-                                            <p:txEl>
-                                              <p:pRg st="5" end="5"/>
-                                            </p:txEl>
-                                          </p:spTgt>
-                                        </p:tgtEl>
-                                        <p:attrNameLst>
-                                          <p:attrName>ppt_y</p:attrName>
-                                        </p:attrNameLst>
-                                      </p:cBhvr>
-                                      <p:tavLst>
-                                        <p:tav tm="0">
-                                          <p:val>
-                                            <p:strVal val="#ppt_y+.1"/>
-                                          </p:val>
-                                        </p:tav>
-                                        <p:tav tm="100000">
-                                          <p:val>
-                                            <p:strVal val="#ppt_y"/>
-                                          </p:val>
-                                        </p:tav>
-                                      </p:tavLst>
-                                    </p:anim>
-                                  </p:childTnLst>
-                                </p:cTn>
-                              </p:par>
-                              <p:par>
-                                <p:cTn id="32" presetID="42" presetClass="entr" presetSubtype="0" fill="hold" nodeType="withEffect">
-                                  <p:stCondLst>
-                                    <p:cond delay="0"/>
-                                  </p:stCondLst>
-                                  <p:childTnLst>
-                                    <p:set>
-                                      <p:cBhvr>
-                                        <p:cTn id="33" dur="1" fill="hold">
-                                          <p:stCondLst>
-                                            <p:cond delay="0"/>
-                                          </p:stCondLst>
-                                        </p:cTn>
-                                        <p:tgtEl>
-                                          <p:spTgt spid="142">
-                                            <p:txEl>
-                                              <p:pRg st="6" end="6"/>
-                                            </p:txEl>
-                                          </p:spTgt>
-                                        </p:tgtEl>
-                                        <p:attrNameLst>
-                                          <p:attrName>style.visibility</p:attrName>
-                                        </p:attrNameLst>
-                                      </p:cBhvr>
-                                      <p:to>
-                                        <p:strVal val="visible"/>
-                                      </p:to>
-                                    </p:set>
-                                    <p:animEffect transition="in" filter="fade">
-                                      <p:cBhvr>
-                                        <p:cTn id="34" dur="1000"/>
-                                        <p:tgtEl>
-                                          <p:spTgt spid="142">
-                                            <p:txEl>
-                                              <p:pRg st="6" end="6"/>
-                                            </p:txEl>
-                                          </p:spTgt>
-                                        </p:tgtEl>
-                                      </p:cBhvr>
-                                    </p:animEffect>
-                                    <p:anim calcmode="lin" valueType="num">
-                                      <p:cBhvr>
-                                        <p:cTn id="35" dur="1000" fill="hold"/>
-                                        <p:tgtEl>
-                                          <p:spTgt spid="142">
-                                            <p:txEl>
-                                              <p:pRg st="6" end="6"/>
-                                            </p:txEl>
-                                          </p:spTgt>
-                                        </p:tgtEl>
-                                        <p:attrNameLst>
-                                          <p:attrName>ppt_x</p:attrName>
-                                        </p:attrNameLst>
-                                      </p:cBhvr>
-                                      <p:tavLst>
-                                        <p:tav tm="0">
-                                          <p:val>
-                                            <p:strVal val="#ppt_x"/>
-                                          </p:val>
-                                        </p:tav>
-                                        <p:tav tm="100000">
-                                          <p:val>
-                                            <p:strVal val="#ppt_x"/>
-                                          </p:val>
-                                        </p:tav>
-                                      </p:tavLst>
-                                    </p:anim>
-                                    <p:anim calcmode="lin" valueType="num">
-                                      <p:cBhvr>
-                                        <p:cTn id="36" dur="1000" fill="hold"/>
-                                        <p:tgtEl>
-                                          <p:spTgt spid="142">
-                                            <p:txEl>
-                                              <p:pRg st="6" end="6"/>
-                                            </p:txEl>
-                                          </p:spTgt>
-                                        </p:tgtEl>
-                                        <p:attrNameLst>
-                                          <p:attrName>ppt_y</p:attrName>
-                                        </p:attrNameLst>
-                                      </p:cBhvr>
-                                      <p:tavLst>
-                                        <p:tav tm="0">
-                                          <p:val>
-                                            <p:strVal val="#ppt_y+.1"/>
-                                          </p:val>
-                                        </p:tav>
-                                        <p:tav tm="100000">
-                                          <p:val>
-                                            <p:strVal val="#ppt_y"/>
-                                          </p:val>
-                                        </p:tav>
-                                      </p:tavLst>
-                                    </p:anim>
-                                  </p:childTnLst>
-                                </p:cTn>
-                              </p:par>
-                              <p:par>
-                                <p:cTn id="37" presetID="42" presetClass="entr" presetSubtype="0" fill="hold" nodeType="withEffect">
-                                  <p:stCondLst>
-                                    <p:cond delay="0"/>
-                                  </p:stCondLst>
-                                  <p:childTnLst>
-                                    <p:set>
-                                      <p:cBhvr>
-                                        <p:cTn id="38" dur="1" fill="hold">
-                                          <p:stCondLst>
-                                            <p:cond delay="0"/>
-                                          </p:stCondLst>
-                                        </p:cTn>
-                                        <p:tgtEl>
-                                          <p:spTgt spid="142">
-                                            <p:txEl>
-                                              <p:pRg st="7" end="7"/>
-                                            </p:txEl>
-                                          </p:spTgt>
-                                        </p:tgtEl>
-                                        <p:attrNameLst>
-                                          <p:attrName>style.visibility</p:attrName>
-                                        </p:attrNameLst>
-                                      </p:cBhvr>
-                                      <p:to>
-                                        <p:strVal val="visible"/>
-                                      </p:to>
-                                    </p:set>
-                                    <p:animEffect transition="in" filter="fade">
-                                      <p:cBhvr>
-                                        <p:cTn id="39" dur="1000"/>
-                                        <p:tgtEl>
-                                          <p:spTgt spid="142">
-                                            <p:txEl>
-                                              <p:pRg st="7" end="7"/>
-                                            </p:txEl>
-                                          </p:spTgt>
-                                        </p:tgtEl>
-                                      </p:cBhvr>
-                                    </p:animEffect>
-                                    <p:anim calcmode="lin" valueType="num">
-                                      <p:cBhvr>
-                                        <p:cTn id="40" dur="1000" fill="hold"/>
-                                        <p:tgtEl>
-                                          <p:spTgt spid="142">
-                                            <p:txEl>
-                                              <p:pRg st="7" end="7"/>
-                                            </p:txEl>
-                                          </p:spTgt>
-                                        </p:tgtEl>
-                                        <p:attrNameLst>
-                                          <p:attrName>ppt_x</p:attrName>
-                                        </p:attrNameLst>
-                                      </p:cBhvr>
-                                      <p:tavLst>
-                                        <p:tav tm="0">
-                                          <p:val>
-                                            <p:strVal val="#ppt_x"/>
-                                          </p:val>
-                                        </p:tav>
-                                        <p:tav tm="100000">
-                                          <p:val>
-                                            <p:strVal val="#ppt_x"/>
-                                          </p:val>
-                                        </p:tav>
-                                      </p:tavLst>
-                                    </p:anim>
-                                    <p:anim calcmode="lin" valueType="num">
-                                      <p:cBhvr>
-                                        <p:cTn id="41" dur="1000" fill="hold"/>
-                                        <p:tgtEl>
-                                          <p:spTgt spid="142">
-                                            <p:txEl>
-                                              <p:pRg st="7" end="7"/>
-                                            </p:txEl>
-                                          </p:spTgt>
-                                        </p:tgtEl>
-                                        <p:attrNameLst>
-                                          <p:attrName>ppt_y</p:attrName>
-                                        </p:attrNameLst>
-                                      </p:cBhvr>
-                                      <p:tavLst>
-                                        <p:tav tm="0">
-                                          <p:val>
-                                            <p:strVal val="#ppt_y+.1"/>
-                                          </p:val>
-                                        </p:tav>
-                                        <p:tav tm="100000">
-                                          <p:val>
-                                            <p:strVal val="#ppt_y"/>
-                                          </p:val>
-                                        </p:tav>
-                                      </p:tavLst>
-                                    </p:anim>
-                                  </p:childTnLst>
-                                </p:cTn>
-                              </p:par>
-                            </p:childTnLst>
-                          </p:cTn>
-                        </p:par>
-                      </p:childTnLst>
-                    </p:cTn>
-                  </p:par>
-                </p:childTnLst>
-              </p:cTn>
-              <p:prevCondLst>
-                <p:cond evt="onPrev" delay="0">
-                  <p:tgtEl>
-                    <p:sldTgt/>
-                  </p:tgtEl>
-                </p:cond>
-              </p:prevCondLst>
-              <p:nextCondLst>
-                <p:cond evt="onNext" delay="0">
-                  <p:tgtEl>
-                    <p:sldTgt/>
-                  </p:tgtEl>
-                </p:cond>
-              </p:nextCondLst>
-            </p:seq>
-          </p:childTnLst>
-        </p:cTn>
-      </p:par>
-    </p:tnLst>
-  </p:timing>
 </p:sld>
 </file>
 
@@ -8659,7 +8265,7 @@
           <p:cNvPr id="5" name="Picture 4">
             <a:extLst>
               <a:ext uri="{FF2B5EF4-FFF2-40B4-BE49-F238E27FC236}">
-                <a16:creationId xmlns:a16="http://schemas.microsoft.com/office/drawing/2014/main" id="{AEEC5A0E-9390-4EA8-824A-BC74B16C41BC}"/>
+                <a16:creationId xmlns:a16="http://schemas.microsoft.com/office/drawing/2014/main" xmlns="" id="{AEEC5A0E-9390-4EA8-824A-BC74B16C41BC}"/>
               </a:ext>
             </a:extLst>
           </p:cNvPr>
@@ -8744,14 +8350,14 @@
       </p:grpSpPr>
       <p:sp>
         <p:nvSpPr>
-          <p:cNvPr id="148" name="CustomShape 1"/>
+          <p:cNvPr id="150" name="CustomShape 1"/>
           <p:cNvSpPr/>
           <p:nvPr/>
         </p:nvSpPr>
         <p:spPr>
           <a:xfrm>
-            <a:off x="-1" y="0"/>
-            <a:ext cx="11280531" cy="767880"/>
+            <a:off x="0" y="0"/>
+            <a:ext cx="11887200" cy="767880"/>
           </a:xfrm>
           <a:prstGeom prst="rect">
             <a:avLst/>
@@ -8791,7 +8397,43 @@
                 </a:solidFill>
                 <a:latin typeface="Segoe UI Light"/>
               </a:rPr>
-              <a:t>3. High level architecture &amp; Technologies used</a:t>
+              <a:t> </a:t>
+            </a:r>
+            <a:r>
+              <a:rPr lang="en-US" sz="4400" b="1" strike="noStrike" spc="-1" dirty="0" smtClean="0">
+                <a:solidFill>
+                  <a:srgbClr val="FFFFFF"/>
+                </a:solidFill>
+                <a:latin typeface="Segoe UI Light"/>
+              </a:rPr>
+              <a:t>3. </a:t>
+            </a:r>
+            <a:r>
+              <a:rPr lang="en-US" sz="4400" b="1" strike="noStrike" spc="-1" dirty="0">
+                <a:solidFill>
+                  <a:srgbClr val="FFFFFF"/>
+                </a:solidFill>
+                <a:latin typeface="Segoe UI Light"/>
+              </a:rPr>
+              <a:t>Key abstractions </a:t>
+            </a:r>
+            <a:r>
+              <a:rPr lang="en-US" sz="4400" b="1" strike="noStrike" spc="-1" dirty="0" err="1">
+                <a:solidFill>
+                  <a:srgbClr val="FFFFFF"/>
+                </a:solidFill>
+                <a:latin typeface="Segoe UI Light"/>
+              </a:rPr>
+              <a:t>vs</a:t>
+            </a:r>
+            <a:r>
+              <a:rPr lang="en-US" sz="4400" b="1" strike="noStrike" spc="-1" dirty="0">
+                <a:solidFill>
+                  <a:srgbClr val="FFFFFF"/>
+                </a:solidFill>
+                <a:latin typeface="Segoe UI Light"/>
+              </a:rPr>
+              <a:t> ERD</a:t>
             </a:r>
             <a:endParaRPr lang="en-US" sz="4400" b="0" strike="noStrike" spc="-1" dirty="0">
               <a:latin typeface="Arial"/>
@@ -8801,7 +8443,232 @@
       </p:sp>
       <p:sp>
         <p:nvSpPr>
-          <p:cNvPr id="149" name="TextShape 2"/>
+          <p:cNvPr id="151" name="CustomShape 2"/>
+          <p:cNvSpPr/>
+          <p:nvPr/>
+        </p:nvSpPr>
+        <p:spPr>
+          <a:xfrm>
+            <a:off x="567000" y="1270080"/>
+            <a:ext cx="10615680" cy="5075280"/>
+          </a:xfrm>
+          <a:prstGeom prst="rect">
+            <a:avLst/>
+          </a:prstGeom>
+          <a:noFill/>
+          <a:ln>
+            <a:noFill/>
+          </a:ln>
+        </p:spPr>
+        <p:style>
+          <a:lnRef idx="0">
+            <a:scrgbClr r="0" g="0" b="0"/>
+          </a:lnRef>
+          <a:fillRef idx="0">
+            <a:scrgbClr r="0" g="0" b="0"/>
+          </a:fillRef>
+          <a:effectRef idx="0">
+            <a:scrgbClr r="0" g="0" b="0"/>
+          </a:effectRef>
+          <a:fontRef idx="minor"/>
+        </p:style>
+        <p:txBody>
+          <a:bodyPr>
+            <a:normAutofit/>
+          </a:bodyPr>
+          <a:lstStyle/>
+          <a:p>
+            <a:pPr marL="228600" indent="-228240">
+              <a:lnSpc>
+                <a:spcPct val="115000"/>
+              </a:lnSpc>
+              <a:spcAft>
+                <a:spcPts val="1001"/>
+              </a:spcAft>
+              <a:buClr>
+                <a:srgbClr val="000000"/>
+              </a:buClr>
+              <a:buFont typeface="Arial"/>
+              <a:buChar char="•"/>
+            </a:pPr>
+            <a:r>
+              <a:rPr lang="en-US" sz="2800" b="0" strike="noStrike" spc="-1" dirty="0">
+                <a:solidFill>
+                  <a:srgbClr val="000000"/>
+                </a:solidFill>
+                <a:latin typeface="Segoe UI"/>
+              </a:rPr>
+              <a:t>Foods</a:t>
+            </a:r>
+            <a:endParaRPr lang="en-US" sz="2800" b="0" strike="noStrike" spc="-1" dirty="0">
+              <a:latin typeface="Arial"/>
+            </a:endParaRPr>
+          </a:p>
+          <a:p>
+            <a:pPr marL="228600" indent="-228240">
+              <a:lnSpc>
+                <a:spcPct val="115000"/>
+              </a:lnSpc>
+              <a:spcAft>
+                <a:spcPts val="1001"/>
+              </a:spcAft>
+              <a:buClr>
+                <a:srgbClr val="000000"/>
+              </a:buClr>
+              <a:buFont typeface="Arial"/>
+              <a:buChar char="•"/>
+            </a:pPr>
+            <a:r>
+              <a:rPr lang="en-US" sz="2800" b="0" strike="noStrike" spc="-1" dirty="0">
+                <a:latin typeface="Arial"/>
+              </a:rPr>
+              <a:t>Users</a:t>
+            </a:r>
+          </a:p>
+          <a:p>
+            <a:pPr marL="228600" indent="-228240">
+              <a:lnSpc>
+                <a:spcPct val="115000"/>
+              </a:lnSpc>
+              <a:spcAft>
+                <a:spcPts val="1001"/>
+              </a:spcAft>
+              <a:buClr>
+                <a:srgbClr val="000000"/>
+              </a:buClr>
+              <a:buFont typeface="Arial"/>
+              <a:buChar char="•"/>
+            </a:pPr>
+            <a:r>
+              <a:rPr lang="en-US" sz="2800" b="0" strike="noStrike" spc="-1" dirty="0">
+                <a:latin typeface="Arial"/>
+              </a:rPr>
+              <a:t>Addresses</a:t>
+            </a:r>
+          </a:p>
+          <a:p>
+            <a:pPr marL="228600" indent="-228240">
+              <a:lnSpc>
+                <a:spcPct val="115000"/>
+              </a:lnSpc>
+              <a:spcAft>
+                <a:spcPts val="1001"/>
+              </a:spcAft>
+              <a:buClr>
+                <a:srgbClr val="000000"/>
+              </a:buClr>
+              <a:buFont typeface="Arial"/>
+              <a:buChar char="•"/>
+            </a:pPr>
+            <a:r>
+              <a:rPr lang="en-US" sz="2800" b="0" strike="noStrike" spc="-1" dirty="0">
+                <a:latin typeface="Arial"/>
+              </a:rPr>
+              <a:t>Orders</a:t>
+            </a:r>
+          </a:p>
+          <a:p>
+            <a:pPr marL="228600" indent="-228240">
+              <a:lnSpc>
+                <a:spcPct val="115000"/>
+              </a:lnSpc>
+              <a:spcAft>
+                <a:spcPts val="1001"/>
+              </a:spcAft>
+              <a:buClr>
+                <a:srgbClr val="000000"/>
+              </a:buClr>
+              <a:buFont typeface="Arial"/>
+              <a:buChar char="•"/>
+            </a:pPr>
+            <a:r>
+              <a:rPr lang="en-US" sz="2800" b="0" strike="noStrike" spc="-1" dirty="0" err="1">
+                <a:latin typeface="Arial"/>
+              </a:rPr>
+              <a:t>Orders_Has_foods</a:t>
+            </a:r>
+            <a:endParaRPr lang="en-US" sz="2800" b="0" strike="noStrike" spc="-1" dirty="0">
+              <a:latin typeface="Arial"/>
+            </a:endParaRPr>
+          </a:p>
+          <a:p>
+            <a:pPr marL="228600" indent="-228240">
+              <a:lnSpc>
+                <a:spcPct val="115000"/>
+              </a:lnSpc>
+              <a:spcAft>
+                <a:spcPts val="1001"/>
+              </a:spcAft>
+              <a:buClr>
+                <a:srgbClr val="000000"/>
+              </a:buClr>
+              <a:buFont typeface="Arial"/>
+              <a:buChar char="•"/>
+            </a:pPr>
+            <a:r>
+              <a:rPr lang="en-US" sz="2800" b="0" strike="noStrike" spc="-1" dirty="0">
+                <a:latin typeface="Arial"/>
+              </a:rPr>
+              <a:t>Images</a:t>
+            </a:r>
+          </a:p>
+          <a:p>
+            <a:pPr>
+              <a:lnSpc>
+                <a:spcPct val="115000"/>
+              </a:lnSpc>
+              <a:spcAft>
+                <a:spcPts val="1001"/>
+              </a:spcAft>
+            </a:pPr>
+            <a:endParaRPr lang="en-US" sz="2800" b="0" strike="noStrike" spc="-1" dirty="0">
+              <a:latin typeface="Arial"/>
+            </a:endParaRPr>
+          </a:p>
+          <a:p>
+            <a:pPr>
+              <a:lnSpc>
+                <a:spcPct val="90000"/>
+              </a:lnSpc>
+              <a:spcBef>
+                <a:spcPts val="839"/>
+              </a:spcBef>
+            </a:pPr>
+            <a:endParaRPr lang="en-US" sz="2800" b="0" strike="noStrike" spc="-1" dirty="0">
+              <a:latin typeface="Arial"/>
+            </a:endParaRPr>
+          </a:p>
+          <a:p>
+            <a:pPr>
+              <a:lnSpc>
+                <a:spcPct val="90000"/>
+              </a:lnSpc>
+              <a:spcBef>
+                <a:spcPts val="839"/>
+              </a:spcBef>
+            </a:pPr>
+            <a:endParaRPr lang="en-US" sz="2800" b="0" strike="noStrike" spc="-1" dirty="0">
+              <a:latin typeface="Arial"/>
+            </a:endParaRPr>
+          </a:p>
+          <a:p>
+            <a:pPr>
+              <a:lnSpc>
+                <a:spcPct val="90000"/>
+              </a:lnSpc>
+              <a:spcBef>
+                <a:spcPts val="839"/>
+              </a:spcBef>
+            </a:pPr>
+            <a:endParaRPr lang="en-US" sz="2800" b="0" strike="noStrike" spc="-1" dirty="0">
+              <a:latin typeface="Arial"/>
+            </a:endParaRPr>
+          </a:p>
+        </p:txBody>
+      </p:sp>
+      <p:sp>
+        <p:nvSpPr>
+          <p:cNvPr id="152" name="TextShape 3"/>
           <p:cNvSpPr txBox="1"/>
           <p:nvPr/>
         </p:nvSpPr>
@@ -8827,7 +8694,7 @@
                 <a:spcPct val="100000"/>
               </a:lnSpc>
             </a:pPr>
-            <a:fld id="{7EB7B141-97E4-4C6B-93F6-092654EC3497}" type="slidenum">
+            <a:fld id="{D9AEABB4-36C0-4D97-9056-D24FC33B34E9}" type="slidenum">
               <a:rPr lang="en-US" sz="1200" b="0" strike="noStrike" spc="-1">
                 <a:solidFill>
                   <a:srgbClr val="8B8B8B"/>
@@ -8844,40 +8711,10 @@
       </p:sp>
       <p:pic>
         <p:nvPicPr>
-          <p:cNvPr id="4" name="Picture 3"/>
-          <p:cNvPicPr>
-            <a:picLocks noChangeAspect="1"/>
-          </p:cNvPicPr>
-          <p:nvPr/>
-        </p:nvPicPr>
-        <p:blipFill>
-          <a:blip r:embed="rId2" cstate="print">
-            <a:extLst>
-              <a:ext uri="{28A0092B-C50C-407E-A947-70E740481C1C}">
-                <a14:useLocalDpi xmlns:a14="http://schemas.microsoft.com/office/drawing/2010/main" val="0"/>
-              </a:ext>
-            </a:extLst>
-          </a:blip>
-          <a:stretch>
-            <a:fillRect/>
-          </a:stretch>
-        </p:blipFill>
-        <p:spPr>
-          <a:xfrm>
-            <a:off x="7606853" y="5080652"/>
-            <a:ext cx="1137362" cy="1137362"/>
-          </a:xfrm>
-          <a:prstGeom prst="rect">
-            <a:avLst/>
-          </a:prstGeom>
-        </p:spPr>
-      </p:pic>
-      <p:pic>
-        <p:nvPicPr>
-          <p:cNvPr id="6" name="Picture 5">
+          <p:cNvPr id="6" name="Content Placeholder 3">
             <a:extLst>
               <a:ext uri="{FF2B5EF4-FFF2-40B4-BE49-F238E27FC236}">
-                <a16:creationId xmlns:a16="http://schemas.microsoft.com/office/drawing/2014/main" id="{7A362730-78D7-4F57-A8BD-2B4CB9B4DC3F}"/>
+                <a16:creationId xmlns:a16="http://schemas.microsoft.com/office/drawing/2014/main" xmlns="" id="{63E08A5E-DCC7-44F6-809B-981E1800651E}"/>
               </a:ext>
             </a:extLst>
           </p:cNvPr>
@@ -8887,119 +8724,19 @@
           <p:nvPr/>
         </p:nvPicPr>
         <p:blipFill>
-          <a:blip r:embed="rId3">
-            <a:extLst>
-              <a:ext uri="{28A0092B-C50C-407E-A947-70E740481C1C}">
-                <a14:useLocalDpi xmlns:a14="http://schemas.microsoft.com/office/drawing/2010/main" val="0"/>
-              </a:ext>
-            </a:extLst>
-          </a:blip>
+          <a:blip r:embed="rId2"/>
           <a:stretch>
             <a:fillRect/>
           </a:stretch>
         </p:blipFill>
         <p:spPr>
           <a:xfrm>
-            <a:off x="1485961" y="989207"/>
-            <a:ext cx="4931371" cy="5731993"/>
-          </a:xfrm>
-          <a:prstGeom prst="rect">
-            <a:avLst/>
-          </a:prstGeom>
-        </p:spPr>
-      </p:pic>
-      <p:pic>
-        <p:nvPicPr>
-          <p:cNvPr id="1026" name="Picture 2" descr="servlet icon-н зурган илэрц&quot;">
-            <a:extLst>
-              <a:ext uri="{FF2B5EF4-FFF2-40B4-BE49-F238E27FC236}">
-                <a16:creationId xmlns:a16="http://schemas.microsoft.com/office/drawing/2014/main" id="{CBCC2928-73B6-4FDF-B917-42E1E9A9CBDC}"/>
-              </a:ext>
-            </a:extLst>
-          </p:cNvPr>
-          <p:cNvPicPr>
-            <a:picLocks noChangeAspect="1" noChangeArrowheads="1"/>
-          </p:cNvPicPr>
-          <p:nvPr/>
-        </p:nvPicPr>
-        <p:blipFill>
-          <a:blip r:embed="rId4">
-            <a:extLst>
-              <a:ext uri="{28A0092B-C50C-407E-A947-70E740481C1C}">
-                <a14:useLocalDpi xmlns:a14="http://schemas.microsoft.com/office/drawing/2010/main" val="0"/>
-              </a:ext>
-            </a:extLst>
-          </a:blip>
-          <a:srcRect/>
-          <a:stretch>
-            <a:fillRect/>
-          </a:stretch>
-        </p:blipFill>
-        <p:spPr bwMode="auto">
-          <a:xfrm>
-            <a:off x="7150863" y="2867689"/>
-            <a:ext cx="2049341" cy="1724756"/>
-          </a:xfrm>
-          <a:prstGeom prst="rect">
-            <a:avLst/>
-          </a:prstGeom>
-          <a:noFill/>
-          <a:extLst>
-            <a:ext uri="{909E8E84-426E-40DD-AFC4-6F175D3DCCD1}">
-              <a14:hiddenFill xmlns:a14="http://schemas.microsoft.com/office/drawing/2010/main">
-                <a:solidFill>
-                  <a:srgbClr val="FFFFFF"/>
-                </a:solidFill>
-              </a14:hiddenFill>
-            </a:ext>
-          </a:extLst>
-        </p:spPr>
-      </p:pic>
-      <p:pic>
-        <p:nvPicPr>
-          <p:cNvPr id="1034" name="Picture 10" descr="html5_css_javascript">
-            <a:extLst>
-              <a:ext uri="{FF2B5EF4-FFF2-40B4-BE49-F238E27FC236}">
-                <a16:creationId xmlns:a16="http://schemas.microsoft.com/office/drawing/2014/main" id="{02EF110E-C40C-4CC7-8237-E12E259EE32A}"/>
-              </a:ext>
-            </a:extLst>
-          </p:cNvPr>
-          <p:cNvPicPr>
-            <a:picLocks noChangeAspect="1" noChangeArrowheads="1"/>
-          </p:cNvPicPr>
-          <p:nvPr/>
-        </p:nvPicPr>
-        <p:blipFill>
-          <a:blip r:embed="rId5">
-            <a:extLst>
-              <a:ext uri="{28A0092B-C50C-407E-A947-70E740481C1C}">
-                <a14:useLocalDpi xmlns:a14="http://schemas.microsoft.com/office/drawing/2010/main" val="0"/>
-              </a:ext>
-            </a:extLst>
-          </a:blip>
-          <a:srcRect/>
-          <a:stretch>
-            <a:fillRect/>
-          </a:stretch>
-        </p:blipFill>
-        <p:spPr bwMode="auto">
-          <a:xfrm>
-            <a:off x="6827240" y="1208667"/>
-            <a:ext cx="2696588" cy="1260600"/>
-          </a:xfrm>
-          <a:prstGeom prst="rect">
-            <a:avLst/>
-          </a:prstGeom>
-          <a:noFill/>
-          <a:extLst>
-            <a:ext uri="{909E8E84-426E-40DD-AFC4-6F175D3DCCD1}">
-              <a14:hiddenFill xmlns:a14="http://schemas.microsoft.com/office/drawing/2010/main">
-                <a:solidFill>
-                  <a:srgbClr val="FFFFFF"/>
-                </a:solidFill>
-              </a14:hiddenFill>
-            </a:ext>
-          </a:extLst>
+            <a:off x="4505557" y="1453639"/>
+            <a:ext cx="7028475" cy="4328183"/>
+          </a:xfrm>
+          <a:prstGeom prst="rect">
+            <a:avLst/>
+          </a:prstGeom>
         </p:spPr>
       </p:pic>
     </p:spTree>
@@ -9056,14 +8793,14 @@
       </p:grpSpPr>
       <p:sp>
         <p:nvSpPr>
-          <p:cNvPr id="150" name="CustomShape 1"/>
+          <p:cNvPr id="148" name="CustomShape 1"/>
           <p:cNvSpPr/>
           <p:nvPr/>
         </p:nvSpPr>
         <p:spPr>
           <a:xfrm>
-            <a:off x="0" y="0"/>
-            <a:ext cx="11887200" cy="767880"/>
+            <a:off x="-1" y="0"/>
+            <a:ext cx="11280531" cy="767880"/>
           </a:xfrm>
           <a:prstGeom prst="rect">
             <a:avLst/>
@@ -9097,15 +8834,33 @@
               </a:lnSpc>
             </a:pPr>
             <a:r>
-              <a:rPr lang="en-US" sz="4400" b="1" strike="noStrike" spc="-1">
+              <a:rPr lang="en-US" sz="4400" b="1" spc="-1" dirty="0">
                 <a:solidFill>
                   <a:srgbClr val="FFFFFF"/>
                 </a:solidFill>
                 <a:latin typeface="Segoe UI Light"/>
               </a:rPr>
-              <a:t> 4. Key abstractions vs ERD</a:t>
+              <a:t>4</a:t>
             </a:r>
-            <a:endParaRPr lang="en-US" sz="4400" b="0" strike="noStrike" spc="-1">
+            <a:r>
+              <a:rPr lang="en-US" sz="4400" b="1" strike="noStrike" spc="-1" dirty="0" smtClean="0">
+                <a:solidFill>
+                  <a:srgbClr val="FFFFFF"/>
+                </a:solidFill>
+                <a:latin typeface="Segoe UI Light"/>
+              </a:rPr>
+              <a:t>. </a:t>
+            </a:r>
+            <a:r>
+              <a:rPr lang="en-US" sz="4400" b="1" strike="noStrike" spc="-1" dirty="0">
+                <a:solidFill>
+                  <a:srgbClr val="FFFFFF"/>
+                </a:solidFill>
+                <a:latin typeface="Segoe UI Light"/>
+              </a:rPr>
+              <a:t>High level architecture &amp; Technologies used</a:t>
+            </a:r>
+            <a:endParaRPr lang="en-US" sz="4400" b="0" strike="noStrike" spc="-1" dirty="0">
               <a:latin typeface="Arial"/>
             </a:endParaRPr>
           </a:p>
@@ -9113,232 +8868,7 @@
       </p:sp>
       <p:sp>
         <p:nvSpPr>
-          <p:cNvPr id="151" name="CustomShape 2"/>
-          <p:cNvSpPr/>
-          <p:nvPr/>
-        </p:nvSpPr>
-        <p:spPr>
-          <a:xfrm>
-            <a:off x="567000" y="1270080"/>
-            <a:ext cx="10615680" cy="5075280"/>
-          </a:xfrm>
-          <a:prstGeom prst="rect">
-            <a:avLst/>
-          </a:prstGeom>
-          <a:noFill/>
-          <a:ln>
-            <a:noFill/>
-          </a:ln>
-        </p:spPr>
-        <p:style>
-          <a:lnRef idx="0">
-            <a:scrgbClr r="0" g="0" b="0"/>
-          </a:lnRef>
-          <a:fillRef idx="0">
-            <a:scrgbClr r="0" g="0" b="0"/>
-          </a:fillRef>
-          <a:effectRef idx="0">
-            <a:scrgbClr r="0" g="0" b="0"/>
-          </a:effectRef>
-          <a:fontRef idx="minor"/>
-        </p:style>
-        <p:txBody>
-          <a:bodyPr>
-            <a:normAutofit/>
-          </a:bodyPr>
-          <a:lstStyle/>
-          <a:p>
-            <a:pPr marL="228600" indent="-228240">
-              <a:lnSpc>
-                <a:spcPct val="115000"/>
-              </a:lnSpc>
-              <a:spcAft>
-                <a:spcPts val="1001"/>
-              </a:spcAft>
-              <a:buClr>
-                <a:srgbClr val="000000"/>
-              </a:buClr>
-              <a:buFont typeface="Arial"/>
-              <a:buChar char="•"/>
-            </a:pPr>
-            <a:r>
-              <a:rPr lang="en-US" sz="2800" b="0" strike="noStrike" spc="-1" dirty="0">
-                <a:solidFill>
-                  <a:srgbClr val="000000"/>
-                </a:solidFill>
-                <a:latin typeface="Segoe UI"/>
-              </a:rPr>
-              <a:t>Foods</a:t>
-            </a:r>
-            <a:endParaRPr lang="en-US" sz="2800" b="0" strike="noStrike" spc="-1" dirty="0">
-              <a:latin typeface="Arial"/>
-            </a:endParaRPr>
-          </a:p>
-          <a:p>
-            <a:pPr marL="228600" indent="-228240">
-              <a:lnSpc>
-                <a:spcPct val="115000"/>
-              </a:lnSpc>
-              <a:spcAft>
-                <a:spcPts val="1001"/>
-              </a:spcAft>
-              <a:buClr>
-                <a:srgbClr val="000000"/>
-              </a:buClr>
-              <a:buFont typeface="Arial"/>
-              <a:buChar char="•"/>
-            </a:pPr>
-            <a:r>
-              <a:rPr lang="en-US" sz="2800" b="0" strike="noStrike" spc="-1" dirty="0">
-                <a:latin typeface="Arial"/>
-              </a:rPr>
-              <a:t>Users</a:t>
-            </a:r>
-          </a:p>
-          <a:p>
-            <a:pPr marL="228600" indent="-228240">
-              <a:lnSpc>
-                <a:spcPct val="115000"/>
-              </a:lnSpc>
-              <a:spcAft>
-                <a:spcPts val="1001"/>
-              </a:spcAft>
-              <a:buClr>
-                <a:srgbClr val="000000"/>
-              </a:buClr>
-              <a:buFont typeface="Arial"/>
-              <a:buChar char="•"/>
-            </a:pPr>
-            <a:r>
-              <a:rPr lang="en-US" sz="2800" b="0" strike="noStrike" spc="-1" dirty="0">
-                <a:latin typeface="Arial"/>
-              </a:rPr>
-              <a:t>Addresses</a:t>
-            </a:r>
-          </a:p>
-          <a:p>
-            <a:pPr marL="228600" indent="-228240">
-              <a:lnSpc>
-                <a:spcPct val="115000"/>
-              </a:lnSpc>
-              <a:spcAft>
-                <a:spcPts val="1001"/>
-              </a:spcAft>
-              <a:buClr>
-                <a:srgbClr val="000000"/>
-              </a:buClr>
-              <a:buFont typeface="Arial"/>
-              <a:buChar char="•"/>
-            </a:pPr>
-            <a:r>
-              <a:rPr lang="en-US" sz="2800" b="0" strike="noStrike" spc="-1" dirty="0">
-                <a:latin typeface="Arial"/>
-              </a:rPr>
-              <a:t>Orders</a:t>
-            </a:r>
-          </a:p>
-          <a:p>
-            <a:pPr marL="228600" indent="-228240">
-              <a:lnSpc>
-                <a:spcPct val="115000"/>
-              </a:lnSpc>
-              <a:spcAft>
-                <a:spcPts val="1001"/>
-              </a:spcAft>
-              <a:buClr>
-                <a:srgbClr val="000000"/>
-              </a:buClr>
-              <a:buFont typeface="Arial"/>
-              <a:buChar char="•"/>
-            </a:pPr>
-            <a:r>
-              <a:rPr lang="en-US" sz="2800" b="0" strike="noStrike" spc="-1" dirty="0" err="1">
-                <a:latin typeface="Arial"/>
-              </a:rPr>
-              <a:t>Orders_Has_foods</a:t>
-            </a:r>
-            <a:endParaRPr lang="en-US" sz="2800" b="0" strike="noStrike" spc="-1" dirty="0">
-              <a:latin typeface="Arial"/>
-            </a:endParaRPr>
-          </a:p>
-          <a:p>
-            <a:pPr marL="228600" indent="-228240">
-              <a:lnSpc>
-                <a:spcPct val="115000"/>
-              </a:lnSpc>
-              <a:spcAft>
-                <a:spcPts val="1001"/>
-              </a:spcAft>
-              <a:buClr>
-                <a:srgbClr val="000000"/>
-              </a:buClr>
-              <a:buFont typeface="Arial"/>
-              <a:buChar char="•"/>
-            </a:pPr>
-            <a:r>
-              <a:rPr lang="en-US" sz="2800" b="0" strike="noStrike" spc="-1" dirty="0">
-                <a:latin typeface="Arial"/>
-              </a:rPr>
-              <a:t>Images</a:t>
-            </a:r>
-          </a:p>
-          <a:p>
-            <a:pPr>
-              <a:lnSpc>
-                <a:spcPct val="115000"/>
-              </a:lnSpc>
-              <a:spcAft>
-                <a:spcPts val="1001"/>
-              </a:spcAft>
-            </a:pPr>
-            <a:endParaRPr lang="en-US" sz="2800" b="0" strike="noStrike" spc="-1" dirty="0">
-              <a:latin typeface="Arial"/>
-            </a:endParaRPr>
-          </a:p>
-          <a:p>
-            <a:pPr>
-              <a:lnSpc>
-                <a:spcPct val="90000"/>
-              </a:lnSpc>
-              <a:spcBef>
-                <a:spcPts val="839"/>
-              </a:spcBef>
-            </a:pPr>
-            <a:endParaRPr lang="en-US" sz="2800" b="0" strike="noStrike" spc="-1" dirty="0">
-              <a:latin typeface="Arial"/>
-            </a:endParaRPr>
-          </a:p>
-          <a:p>
-            <a:pPr>
-              <a:lnSpc>
-                <a:spcPct val="90000"/>
-              </a:lnSpc>
-              <a:spcBef>
-                <a:spcPts val="839"/>
-              </a:spcBef>
-            </a:pPr>
-            <a:endParaRPr lang="en-US" sz="2800" b="0" strike="noStrike" spc="-1" dirty="0">
-              <a:latin typeface="Arial"/>
-            </a:endParaRPr>
-          </a:p>
-          <a:p>
-            <a:pPr>
-              <a:lnSpc>
-                <a:spcPct val="90000"/>
-              </a:lnSpc>
-              <a:spcBef>
-                <a:spcPts val="839"/>
-              </a:spcBef>
-            </a:pPr>
-            <a:endParaRPr lang="en-US" sz="2800" b="0" strike="noStrike" spc="-1" dirty="0">
-              <a:latin typeface="Arial"/>
-            </a:endParaRPr>
-          </a:p>
-        </p:txBody>
-      </p:sp>
-      <p:sp>
-        <p:nvSpPr>
-          <p:cNvPr id="152" name="TextShape 3"/>
+          <p:cNvPr id="149" name="TextShape 2"/>
           <p:cNvSpPr txBox="1"/>
           <p:nvPr/>
         </p:nvSpPr>
@@ -9364,7 +8894,7 @@
                 <a:spcPct val="100000"/>
               </a:lnSpc>
             </a:pPr>
-            <a:fld id="{D9AEABB4-36C0-4D97-9056-D24FC33B34E9}" type="slidenum">
+            <a:fld id="{7EB7B141-97E4-4C6B-93F6-092654EC3497}" type="slidenum">
               <a:rPr lang="en-US" sz="1200" b="0" strike="noStrike" spc="-1">
                 <a:solidFill>
                   <a:srgbClr val="8B8B8B"/>
@@ -9381,10 +8911,40 @@
       </p:sp>
       <p:pic>
         <p:nvPicPr>
-          <p:cNvPr id="6" name="Content Placeholder 3">
+          <p:cNvPr id="4" name="Picture 3"/>
+          <p:cNvPicPr>
+            <a:picLocks noChangeAspect="1"/>
+          </p:cNvPicPr>
+          <p:nvPr/>
+        </p:nvPicPr>
+        <p:blipFill>
+          <a:blip r:embed="rId2" cstate="print">
+            <a:extLst>
+              <a:ext uri="{28A0092B-C50C-407E-A947-70E740481C1C}">
+                <a14:useLocalDpi xmlns:a14="http://schemas.microsoft.com/office/drawing/2010/main" val="0"/>
+              </a:ext>
+            </a:extLst>
+          </a:blip>
+          <a:stretch>
+            <a:fillRect/>
+          </a:stretch>
+        </p:blipFill>
+        <p:spPr>
+          <a:xfrm>
+            <a:off x="7606853" y="5080652"/>
+            <a:ext cx="1137362" cy="1137362"/>
+          </a:xfrm>
+          <a:prstGeom prst="rect">
+            <a:avLst/>
+          </a:prstGeom>
+        </p:spPr>
+      </p:pic>
+      <p:pic>
+        <p:nvPicPr>
+          <p:cNvPr id="6" name="Picture 5">
             <a:extLst>
               <a:ext uri="{FF2B5EF4-FFF2-40B4-BE49-F238E27FC236}">
-                <a16:creationId xmlns:a16="http://schemas.microsoft.com/office/drawing/2014/main" id="{63E08A5E-DCC7-44F6-809B-981E1800651E}"/>
+                <a16:creationId xmlns:a16="http://schemas.microsoft.com/office/drawing/2014/main" xmlns="" id="{7A362730-78D7-4F57-A8BD-2B4CB9B4DC3F}"/>
               </a:ext>
             </a:extLst>
           </p:cNvPr>
@@ -9394,19 +8954,119 @@
           <p:nvPr/>
         </p:nvPicPr>
         <p:blipFill>
-          <a:blip r:embed="rId2"/>
+          <a:blip r:embed="rId3" cstate="print">
+            <a:extLst>
+              <a:ext uri="{28A0092B-C50C-407E-A947-70E740481C1C}">
+                <a14:useLocalDpi xmlns:a14="http://schemas.microsoft.com/office/drawing/2010/main" val="0"/>
+              </a:ext>
+            </a:extLst>
+          </a:blip>
           <a:stretch>
             <a:fillRect/>
           </a:stretch>
         </p:blipFill>
         <p:spPr>
           <a:xfrm>
-            <a:off x="4505557" y="1453639"/>
-            <a:ext cx="7028475" cy="4328183"/>
-          </a:xfrm>
-          <a:prstGeom prst="rect">
-            <a:avLst/>
-          </a:prstGeom>
+            <a:off x="1485961" y="989207"/>
+            <a:ext cx="4931371" cy="5731993"/>
+          </a:xfrm>
+          <a:prstGeom prst="rect">
+            <a:avLst/>
+          </a:prstGeom>
+        </p:spPr>
+      </p:pic>
+      <p:pic>
+        <p:nvPicPr>
+          <p:cNvPr id="1026" name="Picture 2" descr="servlet icon-н зурган илэрц&quot;">
+            <a:extLst>
+              <a:ext uri="{FF2B5EF4-FFF2-40B4-BE49-F238E27FC236}">
+                <a16:creationId xmlns:a16="http://schemas.microsoft.com/office/drawing/2014/main" xmlns="" id="{CBCC2928-73B6-4FDF-B917-42E1E9A9CBDC}"/>
+              </a:ext>
+            </a:extLst>
+          </p:cNvPr>
+          <p:cNvPicPr>
+            <a:picLocks noChangeAspect="1" noChangeArrowheads="1"/>
+          </p:cNvPicPr>
+          <p:nvPr/>
+        </p:nvPicPr>
+        <p:blipFill>
+          <a:blip r:embed="rId4">
+            <a:extLst>
+              <a:ext uri="{28A0092B-C50C-407E-A947-70E740481C1C}">
+                <a14:useLocalDpi xmlns:a14="http://schemas.microsoft.com/office/drawing/2010/main" val="0"/>
+              </a:ext>
+            </a:extLst>
+          </a:blip>
+          <a:srcRect/>
+          <a:stretch>
+            <a:fillRect/>
+          </a:stretch>
+        </p:blipFill>
+        <p:spPr bwMode="auto">
+          <a:xfrm>
+            <a:off x="7150863" y="2867689"/>
+            <a:ext cx="2049341" cy="1724756"/>
+          </a:xfrm>
+          <a:prstGeom prst="rect">
+            <a:avLst/>
+          </a:prstGeom>
+          <a:noFill/>
+          <a:extLst>
+            <a:ext uri="{909E8E84-426E-40DD-AFC4-6F175D3DCCD1}">
+              <a14:hiddenFill xmlns:a14="http://schemas.microsoft.com/office/drawing/2010/main">
+                <a:solidFill>
+                  <a:srgbClr val="FFFFFF"/>
+                </a:solidFill>
+              </a14:hiddenFill>
+            </a:ext>
+          </a:extLst>
+        </p:spPr>
+      </p:pic>
+      <p:pic>
+        <p:nvPicPr>
+          <p:cNvPr id="1034" name="Picture 10" descr="html5_css_javascript">
+            <a:extLst>
+              <a:ext uri="{FF2B5EF4-FFF2-40B4-BE49-F238E27FC236}">
+                <a16:creationId xmlns:a16="http://schemas.microsoft.com/office/drawing/2014/main" xmlns="" id="{02EF110E-C40C-4CC7-8237-E12E259EE32A}"/>
+              </a:ext>
+            </a:extLst>
+          </p:cNvPr>
+          <p:cNvPicPr>
+            <a:picLocks noChangeAspect="1" noChangeArrowheads="1"/>
+          </p:cNvPicPr>
+          <p:nvPr/>
+        </p:nvPicPr>
+        <p:blipFill>
+          <a:blip r:embed="rId5" cstate="print">
+            <a:extLst>
+              <a:ext uri="{28A0092B-C50C-407E-A947-70E740481C1C}">
+                <a14:useLocalDpi xmlns:a14="http://schemas.microsoft.com/office/drawing/2010/main" val="0"/>
+              </a:ext>
+            </a:extLst>
+          </a:blip>
+          <a:srcRect/>
+          <a:stretch>
+            <a:fillRect/>
+          </a:stretch>
+        </p:blipFill>
+        <p:spPr bwMode="auto">
+          <a:xfrm>
+            <a:off x="6827240" y="1208667"/>
+            <a:ext cx="2696588" cy="1260600"/>
+          </a:xfrm>
+          <a:prstGeom prst="rect">
+            <a:avLst/>
+          </a:prstGeom>
+          <a:noFill/>
+          <a:extLst>
+            <a:ext uri="{909E8E84-426E-40DD-AFC4-6F175D3DCCD1}">
+              <a14:hiddenFill xmlns:a14="http://schemas.microsoft.com/office/drawing/2010/main">
+                <a:solidFill>
+                  <a:srgbClr val="FFFFFF"/>
+                </a:solidFill>
+              </a14:hiddenFill>
+            </a:ext>
+          </a:extLst>
         </p:spPr>
       </p:pic>
     </p:spTree>
@@ -9566,7 +9226,7 @@
           <p:cNvPr id="3" name="Picture 2">
             <a:extLst>
               <a:ext uri="{FF2B5EF4-FFF2-40B4-BE49-F238E27FC236}">
-                <a16:creationId xmlns:a16="http://schemas.microsoft.com/office/drawing/2014/main" id="{646E72F7-2181-4B68-830F-6E9CC5AE7862}"/>
+                <a16:creationId xmlns:a16="http://schemas.microsoft.com/office/drawing/2014/main" xmlns="" id="{646E72F7-2181-4B68-830F-6E9CC5AE7862}"/>
               </a:ext>
             </a:extLst>
           </p:cNvPr>
@@ -9589,7 +9249,7 @@
         </p:blipFill>
         <p:spPr>
           <a:xfrm>
-            <a:off x="2399109" y="767880"/>
+            <a:off x="2399109" y="785132"/>
             <a:ext cx="7393781" cy="6090120"/>
           </a:xfrm>
           <a:prstGeom prst="rect">
@@ -9651,6 +9311,120 @@
       </p:grpSpPr>
       <p:sp>
         <p:nvSpPr>
+          <p:cNvPr id="4" name="Title 3"/>
+          <p:cNvSpPr>
+            <a:spLocks noGrp="1"/>
+          </p:cNvSpPr>
+          <p:nvPr>
+            <p:ph type="title" idx="4294967295"/>
+          </p:nvPr>
+        </p:nvSpPr>
+        <p:spPr>
+          <a:xfrm>
+            <a:off x="7683500" y="2268538"/>
+            <a:ext cx="4508500" cy="2187575"/>
+          </a:xfrm>
+        </p:spPr>
+        <p:txBody>
+          <a:bodyPr/>
+          <a:lstStyle/>
+          <a:p>
+            <a:r>
+              <a:rPr lang="en-US" dirty="0" smtClean="0">
+                <a:solidFill>
+                  <a:schemeClr val="bg1"/>
+                </a:solidFill>
+              </a:rPr>
+              <a:t>Screenshots</a:t>
+            </a:r>
+            <a:endParaRPr lang="en-US" dirty="0">
+              <a:solidFill>
+                <a:schemeClr val="bg1"/>
+              </a:solidFill>
+            </a:endParaRPr>
+          </a:p>
+        </p:txBody>
+      </p:sp>
+      <p:pic>
+        <p:nvPicPr>
+          <p:cNvPr id="5" name="Picture 4"/>
+          <p:cNvPicPr>
+            <a:picLocks noChangeAspect="1"/>
+          </p:cNvPicPr>
+          <p:nvPr/>
+        </p:nvPicPr>
+        <p:blipFill>
+          <a:blip r:embed="rId2"/>
+          <a:stretch>
+            <a:fillRect/>
+          </a:stretch>
+        </p:blipFill>
+        <p:spPr>
+          <a:xfrm>
+            <a:off x="6423025" y="0"/>
+            <a:ext cx="5702300" cy="3138367"/>
+          </a:xfrm>
+          <a:prstGeom prst="rect">
+            <a:avLst/>
+          </a:prstGeom>
+        </p:spPr>
+      </p:pic>
+      <p:pic>
+        <p:nvPicPr>
+          <p:cNvPr id="6" name="Picture 5"/>
+          <p:cNvPicPr>
+            <a:picLocks noChangeAspect="1"/>
+          </p:cNvPicPr>
+          <p:nvPr/>
+        </p:nvPicPr>
+        <p:blipFill>
+          <a:blip r:embed="rId3"/>
+          <a:stretch>
+            <a:fillRect/>
+          </a:stretch>
+        </p:blipFill>
+        <p:spPr>
+          <a:xfrm>
+            <a:off x="0" y="1469326"/>
+            <a:ext cx="6010275" cy="3338081"/>
+          </a:xfrm>
+          <a:prstGeom prst="rect">
+            <a:avLst/>
+          </a:prstGeom>
+        </p:spPr>
+      </p:pic>
+    </p:spTree>
+    <p:extLst>
+      <p:ext uri="{BB962C8B-B14F-4D97-AF65-F5344CB8AC3E}">
+        <p14:creationId xmlns:p14="http://schemas.microsoft.com/office/powerpoint/2010/main" val="3134026523"/>
+      </p:ext>
+    </p:extLst>
+  </p:cSld>
+  <p:clrMapOvr>
+    <a:masterClrMapping/>
+  </p:clrMapOvr>
+</p:sld>
+</file>
+
+<file path=ppt/slides/slide8.xml><?xml version="1.0" encoding="utf-8"?>
+<p:sld xmlns:a="http://schemas.openxmlformats.org/drawingml/2006/main" xmlns:r="http://schemas.openxmlformats.org/officeDocument/2006/relationships" xmlns:p="http://schemas.openxmlformats.org/presentationml/2006/main">
+  <p:cSld>
+    <p:spTree>
+      <p:nvGrpSpPr>
+        <p:cNvPr id="1" name=""/>
+        <p:cNvGrpSpPr/>
+        <p:nvPr/>
+      </p:nvGrpSpPr>
+      <p:grpSpPr>
+        <a:xfrm>
+          <a:off x="0" y="0"/>
+          <a:ext cx="0" cy="0"/>
+          <a:chOff x="0" y="0"/>
+          <a:chExt cx="0" cy="0"/>
+        </a:xfrm>
+      </p:grpSpPr>
+      <p:sp>
+        <p:nvSpPr>
           <p:cNvPr id="170" name="TextShape 1"/>
           <p:cNvSpPr txBox="1"/>
           <p:nvPr/>
@@ -9926,7 +9700,7 @@
                 </a:solidFill>
                 <a:latin typeface="Segoe UI"/>
               </a:rPr>
-              <a:t>7</a:t>
+              <a:t>8</a:t>
             </a:fld>
             <a:endParaRPr lang="en-US" sz="1200" b="0" strike="noStrike" spc="-1">
               <a:latin typeface="Times New Roman"/>
